--- a/Presentations/DS-course-2-backend-basics.pptx
+++ b/Presentations/DS-course-2-backend-basics.pptx
@@ -5,7 +5,7 @@
     <p:sldMasterId id="2147483648" r:id="rId1"/>
   </p:sldMasterIdLst>
   <p:notesMasterIdLst>
-    <p:notesMasterId r:id="rId35"/>
+    <p:notesMasterId r:id="rId36"/>
   </p:notesMasterIdLst>
   <p:sldIdLst>
     <p:sldId id="257" r:id="rId2"/>
@@ -24,23 +24,24 @@
     <p:sldId id="359" r:id="rId15"/>
     <p:sldId id="385" r:id="rId16"/>
     <p:sldId id="387" r:id="rId17"/>
-    <p:sldId id="386" r:id="rId18"/>
-    <p:sldId id="355" r:id="rId19"/>
-    <p:sldId id="367" r:id="rId20"/>
-    <p:sldId id="368" r:id="rId21"/>
-    <p:sldId id="369" r:id="rId22"/>
-    <p:sldId id="374" r:id="rId23"/>
-    <p:sldId id="380" r:id="rId24"/>
-    <p:sldId id="375" r:id="rId25"/>
-    <p:sldId id="371" r:id="rId26"/>
-    <p:sldId id="372" r:id="rId27"/>
-    <p:sldId id="356" r:id="rId28"/>
-    <p:sldId id="261" r:id="rId29"/>
-    <p:sldId id="383" r:id="rId30"/>
-    <p:sldId id="267" r:id="rId31"/>
-    <p:sldId id="265" r:id="rId32"/>
-    <p:sldId id="373" r:id="rId33"/>
-    <p:sldId id="384" r:id="rId34"/>
+    <p:sldId id="337" r:id="rId18"/>
+    <p:sldId id="386" r:id="rId19"/>
+    <p:sldId id="355" r:id="rId20"/>
+    <p:sldId id="367" r:id="rId21"/>
+    <p:sldId id="368" r:id="rId22"/>
+    <p:sldId id="369" r:id="rId23"/>
+    <p:sldId id="374" r:id="rId24"/>
+    <p:sldId id="380" r:id="rId25"/>
+    <p:sldId id="375" r:id="rId26"/>
+    <p:sldId id="371" r:id="rId27"/>
+    <p:sldId id="372" r:id="rId28"/>
+    <p:sldId id="356" r:id="rId29"/>
+    <p:sldId id="261" r:id="rId30"/>
+    <p:sldId id="383" r:id="rId31"/>
+    <p:sldId id="267" r:id="rId32"/>
+    <p:sldId id="265" r:id="rId33"/>
+    <p:sldId id="373" r:id="rId34"/>
+    <p:sldId id="384" r:id="rId35"/>
   </p:sldIdLst>
   <p:sldSz cx="12192000" cy="6858000"/>
   <p:notesSz cx="6858000" cy="9144000"/>
@@ -229,7 +230,7 @@
           <a:p>
             <a:fld id="{16B0145C-99AC-4644-A36E-A4ECBC555925}" type="datetimeFigureOut">
               <a:rPr lang="en-US" smtClean="0"/>
-              <a:t>8/31/2022</a:t>
+              <a:t>9/1/2022</a:t>
             </a:fld>
             <a:endParaRPr lang="en-US"/>
           </a:p>
@@ -1350,19 +1351,13 @@
               <a:rPr lang="en-US" kern="0" dirty="0">
                 <a:latin typeface="Calibri" panose="020F0502020204030204"/>
               </a:rPr>
-              <a:t>.&lt;</a:t>
-            </a:r>
-            <a:r>
-              <a:rPr lang="en-US" i="1" kern="0" dirty="0">
+              <a:t>.{</a:t>
+            </a:r>
+            <a:r>
+              <a:rPr lang="en-US" i="0" kern="0" dirty="0">
                 <a:latin typeface="Calibri" panose="020F0502020204030204"/>
               </a:rPr>
-              <a:t>Technology</a:t>
-            </a:r>
-            <a:r>
-              <a:rPr lang="en-US" kern="0" dirty="0">
-                <a:latin typeface="Calibri" panose="020F0502020204030204"/>
-              </a:rPr>
-              <a:t>&gt;</a:t>
+              <a:t>Technology}</a:t>
             </a:r>
             <a:endParaRPr lang="en-US" b="0" i="0" u="none" strike="noStrike" dirty="0">
               <a:solidFill>
@@ -1696,64 +1691,21 @@
           <a:bodyPr/>
           <a:lstStyle/>
           <a:p>
-            <a:r>
-              <a:rPr lang="en-US" dirty="0"/>
-              <a:t>Like other DS-components, also providers are published as NuGet packages</a:t>
-            </a:r>
-          </a:p>
-          <a:p>
-            <a:r>
-              <a:rPr lang="en-US" dirty="0"/>
-              <a:t>NOTE: </a:t>
-            </a:r>
-          </a:p>
-          <a:p>
             <a:pPr marL="171450" indent="-171450">
               <a:buFont typeface="Arial" panose="020B0604020202020204" pitchFamily="34" charset="0"/>
               <a:buChar char="•"/>
             </a:pPr>
             <a:r>
-              <a:rPr lang="en-US" dirty="0"/>
-              <a:t>Generally, the naming convention for NuGet packages is that the NuGet package ID is equivalent to the root-namespace of the contained assembly/DLL</a:t>
-            </a:r>
-          </a:p>
-          <a:p>
-            <a:pPr marL="171450" indent="-171450">
-              <a:buFont typeface="Arial" panose="020B0604020202020204" pitchFamily="34" charset="0"/>
-              <a:buChar char="•"/>
-            </a:pPr>
-            <a:r>
-              <a:rPr lang="en-US" dirty="0"/>
-              <a:t>However, there is a subtle exception for providers, where the “Provider”-part of the namespace is excluded</a:t>
-            </a:r>
-          </a:p>
-          <a:p>
-            <a:pPr marL="171450" indent="-171450">
-              <a:buFont typeface="Arial" panose="020B0604020202020204" pitchFamily="34" charset="0"/>
-              <a:buChar char="•"/>
-            </a:pPr>
-            <a:r>
-              <a:rPr lang="en-US" dirty="0" err="1"/>
-              <a:t>DHI.Services.Provider.MIKECore</a:t>
-            </a:r>
-            <a:r>
-              <a:rPr lang="en-US" dirty="0"/>
-              <a:t> =&gt; </a:t>
-            </a:r>
-            <a:r>
-              <a:rPr lang="en-US" dirty="0" err="1"/>
-              <a:t>DHI.Services.MIKECore</a:t>
-            </a:r>
-            <a:endParaRPr lang="en-US" dirty="0"/>
-          </a:p>
-          <a:p>
-            <a:pPr marL="171450" indent="-171450">
-              <a:buFont typeface="Arial" panose="020B0604020202020204" pitchFamily="34" charset="0"/>
-              <a:buChar char="•"/>
-            </a:pPr>
-            <a:r>
-              <a:rPr lang="en-US" dirty="0"/>
-              <a:t>I could try to argument why, but the most important is that you know. And at least it is consistent!</a:t>
+              <a:rPr lang="en-US" b="0" noProof="0" dirty="0"/>
+              <a:t>As you may remember from module 1, providers belong to the </a:t>
+            </a:r>
+            <a:r>
+              <a:rPr lang="en-US" b="1" noProof="0" dirty="0"/>
+              <a:t>infrastructure-layer</a:t>
+            </a:r>
+            <a:r>
+              <a:rPr lang="en-US" b="0" noProof="0" dirty="0"/>
+              <a:t> of the onion architecture (module 1)</a:t>
             </a:r>
           </a:p>
         </p:txBody>
@@ -1773,7 +1725,7 @@
           <a:bodyPr/>
           <a:lstStyle/>
           <a:p>
-            <a:fld id="{A6E96146-6681-4DBF-B085-F659EAF9A4FE}" type="slidenum">
+            <a:fld id="{6D418852-0D5F-403C-8171-A70A423D8A3B}" type="slidenum">
               <a:rPr lang="en-US" smtClean="0"/>
               <a:t>17</a:t>
             </a:fld>
@@ -1784,7 +1736,7 @@
     </p:spTree>
     <p:extLst>
       <p:ext uri="{BB962C8B-B14F-4D97-AF65-F5344CB8AC3E}">
-        <p14:creationId xmlns:p14="http://schemas.microsoft.com/office/powerpoint/2010/main" val="252077741"/>
+        <p14:creationId xmlns:p14="http://schemas.microsoft.com/office/powerpoint/2010/main" val="2812511571"/>
       </p:ext>
     </p:extLst>
   </p:cSld>
@@ -1840,37 +1792,14 @@
           <a:p>
             <a:r>
               <a:rPr lang="en-US" dirty="0"/>
-              <a:t>Almost all services depend on a </a:t>
-            </a:r>
-            <a:r>
-              <a:rPr lang="en-US" b="1" dirty="0"/>
-              <a:t>repository. </a:t>
-            </a:r>
-            <a:r>
-              <a:rPr lang="en-US" b="0" dirty="0"/>
-              <a:t>The</a:t>
-            </a:r>
+              <a:t>Like other DS-components, also providers are published as NuGet packages</a:t>
+            </a:r>
+          </a:p>
+          <a:p>
             <a:r>
               <a:rPr lang="en-US" dirty="0"/>
-              <a:t> repository is responsible for the actual reading and writing to the underlying data source. This repository object is injected into the service through the constructor during service object creation. So, all service constructors look conceptually like this. This is a technique called </a:t>
-            </a:r>
-            <a:r>
-              <a:rPr lang="en-US" b="1" dirty="0"/>
-              <a:t>dependency injection</a:t>
-            </a:r>
-            <a:endParaRPr lang="en-US" dirty="0"/>
-          </a:p>
-          <a:p>
-            <a:endParaRPr lang="en-US" dirty="0"/>
-          </a:p>
-          <a:p>
-            <a:r>
-              <a:rPr lang="en-US" dirty="0"/>
-              <a:t>As mentioned in Module 1, this is a very powerful design, as it:</a:t>
-            </a:r>
-          </a:p>
-          <a:p>
-            <a:endParaRPr lang="en-US" dirty="0"/>
+              <a:t>NOTE: </a:t>
+            </a:r>
           </a:p>
           <a:p>
             <a:pPr marL="171450" indent="-171450">
@@ -1879,7 +1808,7 @@
             </a:pPr>
             <a:r>
               <a:rPr lang="en-US" dirty="0"/>
-              <a:t>Decouples the service functionality from the storage technologies . Persistence becomes a detail that is abstracted away.</a:t>
+              <a:t>Generally, the naming convention for NuGet packages is that the NuGet package ID is equivalent to the root-namespace of the contained assembly/DLL</a:t>
             </a:r>
           </a:p>
           <a:p>
@@ -1889,7 +1818,36 @@
             </a:pPr>
             <a:r>
               <a:rPr lang="en-US" dirty="0"/>
-              <a:t>Dramatically increases the testability of services – for example using fake in-memory repositories.</a:t>
+              <a:t>However, there is a subtle exception for providers, where the “Provider”-part of the namespace is excluded</a:t>
+            </a:r>
+          </a:p>
+          <a:p>
+            <a:pPr marL="171450" indent="-171450">
+              <a:buFont typeface="Arial" panose="020B0604020202020204" pitchFamily="34" charset="0"/>
+              <a:buChar char="•"/>
+            </a:pPr>
+            <a:r>
+              <a:rPr lang="en-US" dirty="0" err="1"/>
+              <a:t>DHI.Services.Provider.MIKECore</a:t>
+            </a:r>
+            <a:r>
+              <a:rPr lang="en-US" dirty="0"/>
+              <a:t> =&gt; </a:t>
+            </a:r>
+            <a:r>
+              <a:rPr lang="en-US" dirty="0" err="1"/>
+              <a:t>DHI.Services.MIKECore</a:t>
+            </a:r>
+            <a:endParaRPr lang="en-US" dirty="0"/>
+          </a:p>
+          <a:p>
+            <a:pPr marL="171450" indent="-171450">
+              <a:buFont typeface="Arial" panose="020B0604020202020204" pitchFamily="34" charset="0"/>
+              <a:buChar char="•"/>
+            </a:pPr>
+            <a:r>
+              <a:rPr lang="en-US" dirty="0"/>
+              <a:t>I could try to argument why, but the most important is that you know. And at least it is consistent!</a:t>
             </a:r>
           </a:p>
         </p:txBody>
@@ -1911,7 +1869,7 @@
           <a:p>
             <a:fld id="{A6E96146-6681-4DBF-B085-F659EAF9A4FE}" type="slidenum">
               <a:rPr lang="en-US" smtClean="0"/>
-              <a:t>19</a:t>
+              <a:t>18</a:t>
             </a:fld>
             <a:endParaRPr lang="en-US"/>
           </a:p>
@@ -1920,7 +1878,7 @@
     </p:spTree>
     <p:extLst>
       <p:ext uri="{BB962C8B-B14F-4D97-AF65-F5344CB8AC3E}">
-        <p14:creationId xmlns:p14="http://schemas.microsoft.com/office/powerpoint/2010/main" val="1669963126"/>
+        <p14:creationId xmlns:p14="http://schemas.microsoft.com/office/powerpoint/2010/main" val="252077741"/>
       </p:ext>
     </p:extLst>
   </p:cSld>
@@ -1976,59 +1934,56 @@
           <a:p>
             <a:r>
               <a:rPr lang="en-US" dirty="0"/>
-              <a:t>Saw this in the module 1 assignment.</a:t>
-            </a:r>
-          </a:p>
-          <a:p>
+              <a:t>Almost all services depend on a </a:t>
+            </a:r>
+            <a:r>
+              <a:rPr lang="en-US" b="1" dirty="0"/>
+              <a:t>repository. </a:t>
+            </a:r>
+            <a:r>
+              <a:rPr lang="en-US" b="0" dirty="0"/>
+              <a:t>The</a:t>
+            </a:r>
+            <a:r>
+              <a:rPr lang="en-US" dirty="0"/>
+              <a:t> repository is responsible for the actual reading and writing to the underlying data source. This repository object is injected into the service through the constructor during service object creation. So, all service constructors look conceptually like this. This is a technique called </a:t>
+            </a:r>
+            <a:r>
+              <a:rPr lang="en-US" b="1" dirty="0"/>
+              <a:t>dependency injection</a:t>
+            </a:r>
             <a:endParaRPr lang="en-US" dirty="0"/>
           </a:p>
           <a:p>
-            <a:pPr marL="228600" indent="-228600">
-              <a:buAutoNum type="arabicPeriod"/>
+            <a:endParaRPr lang="en-US" dirty="0"/>
+          </a:p>
+          <a:p>
+            <a:r>
+              <a:rPr lang="en-US" dirty="0"/>
+              <a:t>As mentioned in Module 1, this is a very powerful design, as it:</a:t>
+            </a:r>
+          </a:p>
+          <a:p>
+            <a:endParaRPr lang="en-US" dirty="0"/>
+          </a:p>
+          <a:p>
+            <a:pPr marL="171450" indent="-171450">
+              <a:buFont typeface="Arial" panose="020B0604020202020204" pitchFamily="34" charset="0"/>
+              <a:buChar char="•"/>
             </a:pPr>
             <a:r>
               <a:rPr lang="en-US" dirty="0"/>
-              <a:t>Create repository object – in this case a Dfs0TimeSeriesRepository</a:t>
-            </a:r>
-          </a:p>
-          <a:p>
-            <a:pPr marL="228600" indent="-228600">
-              <a:buAutoNum type="arabicPeriod"/>
+              <a:t>Decouples the service functionality from the storage technologies . Persistence becomes a detail that is abstracted away.</a:t>
+            </a:r>
+          </a:p>
+          <a:p>
+            <a:pPr marL="171450" indent="-171450">
+              <a:buFont typeface="Arial" panose="020B0604020202020204" pitchFamily="34" charset="0"/>
+              <a:buChar char="•"/>
             </a:pPr>
             <a:r>
               <a:rPr lang="en-US" dirty="0"/>
-              <a:t>Inject it into a compatible service</a:t>
-            </a:r>
-          </a:p>
-          <a:p>
-            <a:pPr marL="0" indent="0">
-              <a:buNone/>
-            </a:pPr>
-            <a:endParaRPr lang="en-US" dirty="0"/>
-          </a:p>
-          <a:p>
-            <a:pPr marL="0" indent="0">
-              <a:buNone/>
-            </a:pPr>
-            <a:r>
-              <a:rPr lang="en-US" dirty="0"/>
-              <a:t>Keep an eye on the “YOUR CODE” stamp in the following slides. It will appear on slides with code that you will write when configuring your application – typically in the composition root of your app - </a:t>
-            </a:r>
-            <a:r>
-              <a:rPr lang="en-US" dirty="0" err="1"/>
-              <a:t>Program.cs</a:t>
-            </a:r>
-            <a:r>
-              <a:rPr lang="en-US" dirty="0"/>
-              <a:t> (or possibly </a:t>
-            </a:r>
-            <a:r>
-              <a:rPr lang="en-US" dirty="0" err="1"/>
-              <a:t>Startup.cs</a:t>
-            </a:r>
-            <a:r>
-              <a:rPr lang="en-US" dirty="0"/>
-              <a:t> file of an ASP.NET Core project)</a:t>
+              <a:t>Dramatically increases the testability of services – for example using fake in-memory repositories.</a:t>
             </a:r>
           </a:p>
         </p:txBody>
@@ -2059,7 +2014,7 @@
     </p:spTree>
     <p:extLst>
       <p:ext uri="{BB962C8B-B14F-4D97-AF65-F5344CB8AC3E}">
-        <p14:creationId xmlns:p14="http://schemas.microsoft.com/office/powerpoint/2010/main" val="698580499"/>
+        <p14:creationId xmlns:p14="http://schemas.microsoft.com/office/powerpoint/2010/main" val="1669963126"/>
       </p:ext>
     </p:extLst>
   </p:cSld>
@@ -2115,76 +2070,60 @@
           <a:p>
             <a:r>
               <a:rPr lang="en-US" dirty="0"/>
-              <a:t>A </a:t>
-            </a:r>
-            <a:r>
-              <a:rPr lang="en-US" i="1" dirty="0"/>
-              <a:t>connection</a:t>
-            </a:r>
+              <a:t>Saw this in the module 1 assignment.</a:t>
+            </a:r>
+          </a:p>
+          <a:p>
+            <a:endParaRPr lang="en-US" dirty="0"/>
+          </a:p>
+          <a:p>
+            <a:pPr marL="228600" indent="-228600">
+              <a:buAutoNum type="arabicPeriod"/>
+            </a:pPr>
             <a:r>
               <a:rPr lang="en-US" dirty="0"/>
-              <a:t> is an alias/identifier for a particular service.</a:t>
-            </a:r>
-          </a:p>
-          <a:p>
+              <a:t>Create repository object – in this case a Dfs0TimeSeriesRepository</a:t>
+            </a:r>
+          </a:p>
+          <a:p>
+            <a:pPr marL="228600" indent="-228600">
+              <a:buAutoNum type="arabicPeriod"/>
+            </a:pPr>
+            <a:r>
+              <a:rPr lang="en-US" dirty="0"/>
+              <a:t>Inject it into a compatible service</a:t>
+            </a:r>
+          </a:p>
+          <a:p>
+            <a:pPr marL="0" indent="0">
+              <a:buNone/>
+            </a:pPr>
             <a:endParaRPr lang="en-US" dirty="0"/>
           </a:p>
           <a:p>
-            <a:r>
-              <a:rPr lang="en-US" b="0" i="0" dirty="0">
-                <a:effectLst/>
-                <a:latin typeface="Roboto" panose="02000000000000000000" pitchFamily="2" charset="0"/>
-              </a:rPr>
-              <a:t>These connection IDs are used directly in the URLs (endpoints) of the Domain Services Web API components.</a:t>
-            </a:r>
-            <a:endParaRPr lang="en-US" dirty="0"/>
-          </a:p>
-          <a:p>
-            <a:endParaRPr lang="en-US" dirty="0"/>
-          </a:p>
-          <a:p>
-            <a:pPr marL="0" marR="0" lvl="0" indent="0" algn="l" defTabSz="914400" rtl="0" eaLnBrk="1" fontAlgn="auto" latinLnBrk="0" hangingPunct="1">
-              <a:lnSpc>
-                <a:spcPct val="100000"/>
-              </a:lnSpc>
-              <a:spcBef>
-                <a:spcPts val="0"/>
-              </a:spcBef>
-              <a:spcAft>
-                <a:spcPts val="0"/>
-              </a:spcAft>
-              <a:buClrTx/>
-              <a:buSzTx/>
-              <a:buFontTx/>
+            <a:pPr marL="0" indent="0">
               <a:buNone/>
-              <a:tabLst/>
-              <a:defRPr/>
             </a:pPr>
             <a:r>
-              <a:rPr lang="en-US" b="0" i="0" dirty="0">
-                <a:effectLst/>
-                <a:latin typeface="Roboto" panose="02000000000000000000" pitchFamily="2" charset="0"/>
-              </a:rPr>
-              <a:t>This way you can register multiple instances of for example a </a:t>
+              <a:rPr lang="en-US" dirty="0"/>
+              <a:t>Keep an eye on the “YOUR CODE” stamp in the following slides. It will appear on slides with code that you will write when configuring your application – typically in the composition root of your app - </a:t>
             </a:r>
             <a:r>
               <a:rPr lang="en-US" dirty="0" err="1"/>
-              <a:t>TimeSeriesService</a:t>
-            </a:r>
-            <a:r>
-              <a:rPr lang="en-US" b="0" i="0" dirty="0">
-                <a:effectLst/>
-                <a:latin typeface="Roboto" panose="02000000000000000000" pitchFamily="2" charset="0"/>
-              </a:rPr>
-              <a:t> using different storage repositories. And then a</a:t>
+              <a:t>Program.cs</a:t>
             </a:r>
             <a:r>
               <a:rPr lang="en-US" dirty="0"/>
-              <a:t>t runtime – when making requests to the Web API endpoints -  you can decide which connection to use.</a:t>
-            </a:r>
-          </a:p>
-          <a:p>
-            <a:endParaRPr lang="en-US" dirty="0"/>
+              <a:t> (or possibly </a:t>
+            </a:r>
+            <a:r>
+              <a:rPr lang="en-US" dirty="0" err="1"/>
+              <a:t>Startup.cs</a:t>
+            </a:r>
+            <a:r>
+              <a:rPr lang="en-US" dirty="0"/>
+              <a:t> file of an ASP.NET Core project)</a:t>
+            </a:r>
           </a:p>
         </p:txBody>
       </p:sp>
@@ -2214,7 +2153,7 @@
     </p:spTree>
     <p:extLst>
       <p:ext uri="{BB962C8B-B14F-4D97-AF65-F5344CB8AC3E}">
-        <p14:creationId xmlns:p14="http://schemas.microsoft.com/office/powerpoint/2010/main" val="41246989"/>
+        <p14:creationId xmlns:p14="http://schemas.microsoft.com/office/powerpoint/2010/main" val="698580499"/>
       </p:ext>
     </p:extLst>
   </p:cSld>
@@ -2270,39 +2209,15 @@
           <a:p>
             <a:r>
               <a:rPr lang="en-US" dirty="0"/>
-              <a:t>Registration of connections for a Web API is done using the </a:t>
-            </a:r>
-            <a:r>
-              <a:rPr lang="en-US" b="1" dirty="0"/>
-              <a:t>Register()</a:t>
+              <a:t>A </a:t>
+            </a:r>
+            <a:r>
+              <a:rPr lang="en-US" i="1" dirty="0"/>
+              <a:t>connection</a:t>
             </a:r>
             <a:r>
               <a:rPr lang="en-US" dirty="0"/>
-              <a:t> method on the static </a:t>
-            </a:r>
-            <a:r>
-              <a:rPr lang="en-US" b="1" dirty="0" err="1"/>
-              <a:t>ServiceLocator</a:t>
-            </a:r>
-            <a:r>
-              <a:rPr lang="en-US" dirty="0"/>
-              <a:t> class. This is done in the </a:t>
-            </a:r>
-            <a:r>
-              <a:rPr lang="en-US" dirty="0" err="1"/>
-              <a:t>Program.cs</a:t>
-            </a:r>
-            <a:r>
-              <a:rPr lang="en-US" dirty="0"/>
-              <a:t> (or </a:t>
-            </a:r>
-            <a:r>
-              <a:rPr lang="en-US" dirty="0" err="1"/>
-              <a:t>Startup.cs</a:t>
-            </a:r>
-            <a:r>
-              <a:rPr lang="en-US" dirty="0"/>
-              <a:t>) file which is the “composition root” of any ASP.NET project.</a:t>
+              <a:t> is an alias/identifier for a particular service.</a:t>
             </a:r>
           </a:p>
           <a:p>
@@ -2310,17 +2225,60 @@
           </a:p>
           <a:p>
             <a:r>
-              <a:rPr lang="en-US" dirty="0"/>
-              <a:t>Here you can see how you can register the </a:t>
+              <a:rPr lang="en-US" b="0" i="0" dirty="0">
+                <a:effectLst/>
+                <a:latin typeface="Roboto" panose="02000000000000000000" pitchFamily="2" charset="0"/>
+              </a:rPr>
+              <a:t>These connection IDs are used directly in the URLs (endpoints) of the Domain Services Web API components.</a:t>
+            </a:r>
+            <a:endParaRPr lang="en-US" dirty="0"/>
+          </a:p>
+          <a:p>
+            <a:endParaRPr lang="en-US" dirty="0"/>
+          </a:p>
+          <a:p>
+            <a:pPr marL="0" marR="0" lvl="0" indent="0" algn="l" defTabSz="914400" rtl="0" eaLnBrk="1" fontAlgn="auto" latinLnBrk="0" hangingPunct="1">
+              <a:lnSpc>
+                <a:spcPct val="100000"/>
+              </a:lnSpc>
+              <a:spcBef>
+                <a:spcPts val="0"/>
+              </a:spcBef>
+              <a:spcAft>
+                <a:spcPts val="0"/>
+              </a:spcAft>
+              <a:buClrTx/>
+              <a:buSzTx/>
+              <a:buFontTx/>
+              <a:buNone/>
+              <a:tabLst/>
+              <a:defRPr/>
+            </a:pPr>
+            <a:r>
+              <a:rPr lang="en-US" b="0" i="0" dirty="0">
+                <a:effectLst/>
+                <a:latin typeface="Roboto" panose="02000000000000000000" pitchFamily="2" charset="0"/>
+              </a:rPr>
+              <a:t>This way you can register multiple instances of for example a </a:t>
             </a:r>
             <a:r>
               <a:rPr lang="en-US" dirty="0" err="1"/>
               <a:t>TimeSeriesService</a:t>
             </a:r>
             <a:r>
+              <a:rPr lang="en-US" b="0" i="0" dirty="0">
+                <a:effectLst/>
+                <a:latin typeface="Roboto" panose="02000000000000000000" pitchFamily="2" charset="0"/>
+              </a:rPr>
+              <a:t> using different storage repositories. And then a</a:t>
+            </a:r>
+            <a:r>
               <a:rPr lang="en-US" dirty="0"/>
-              <a:t> that we created previously as a connection with id “dfs0”</a:t>
-            </a:r>
+              <a:t>t runtime – when making requests to the Web API endpoints -  you can decide which connection to use.</a:t>
+            </a:r>
+          </a:p>
+          <a:p>
+            <a:endParaRPr lang="en-US" dirty="0"/>
           </a:p>
         </p:txBody>
       </p:sp>
@@ -2350,7 +2308,7 @@
     </p:spTree>
     <p:extLst>
       <p:ext uri="{BB962C8B-B14F-4D97-AF65-F5344CB8AC3E}">
-        <p14:creationId xmlns:p14="http://schemas.microsoft.com/office/powerpoint/2010/main" val="2461776048"/>
+        <p14:creationId xmlns:p14="http://schemas.microsoft.com/office/powerpoint/2010/main" val="41246989"/>
       </p:ext>
     </p:extLst>
   </p:cSld>
@@ -2406,15 +2364,39 @@
           <a:p>
             <a:r>
               <a:rPr lang="en-US" dirty="0"/>
-              <a:t>Here you can see how the service locator is used in an ASP.NET controller action (this is from the </a:t>
+              <a:t>Registration of connections for a Web API is done using the </a:t>
             </a:r>
             <a:r>
               <a:rPr lang="en-US" b="1" dirty="0"/>
-              <a:t>time series </a:t>
+              <a:t>Register()</a:t>
             </a:r>
             <a:r>
               <a:rPr lang="en-US" dirty="0"/>
-              <a:t>Web API) - to retrieve a connection with a particular connection ID at runtime.</a:t>
+              <a:t> method on the static </a:t>
+            </a:r>
+            <a:r>
+              <a:rPr lang="en-US" b="1" dirty="0" err="1"/>
+              <a:t>ServiceLocator</a:t>
+            </a:r>
+            <a:r>
+              <a:rPr lang="en-US" dirty="0"/>
+              <a:t> class. This is done in the </a:t>
+            </a:r>
+            <a:r>
+              <a:rPr lang="en-US" dirty="0" err="1"/>
+              <a:t>Program.cs</a:t>
+            </a:r>
+            <a:r>
+              <a:rPr lang="en-US" dirty="0"/>
+              <a:t> (or </a:t>
+            </a:r>
+            <a:r>
+              <a:rPr lang="en-US" dirty="0" err="1"/>
+              <a:t>Startup.cs</a:t>
+            </a:r>
+            <a:r>
+              <a:rPr lang="en-US" dirty="0"/>
+              <a:t>) file which is the “composition root” of any ASP.NET project.</a:t>
             </a:r>
           </a:p>
           <a:p>
@@ -2423,14 +2405,16 @@
           <a:p>
             <a:r>
               <a:rPr lang="en-US" dirty="0"/>
-              <a:t>No “YOUR CODE” stamp! Unless you write custom controllers, you don’t have to write code like this</a:t>
-            </a:r>
-          </a:p>
-          <a:p>
-            <a:endParaRPr lang="en-US" dirty="0"/>
-          </a:p>
-          <a:p>
-            <a:endParaRPr lang="en-US" dirty="0"/>
+              <a:t>Here you can see how you can register the </a:t>
+            </a:r>
+            <a:r>
+              <a:rPr lang="en-US" dirty="0" err="1"/>
+              <a:t>TimeSeriesService</a:t>
+            </a:r>
+            <a:r>
+              <a:rPr lang="en-US" dirty="0"/>
+              <a:t> that we created previously as a connection with id “dfs0”</a:t>
+            </a:r>
           </a:p>
         </p:txBody>
       </p:sp>
@@ -2460,7 +2444,7 @@
     </p:spTree>
     <p:extLst>
       <p:ext uri="{BB962C8B-B14F-4D97-AF65-F5344CB8AC3E}">
-        <p14:creationId xmlns:p14="http://schemas.microsoft.com/office/powerpoint/2010/main" val="2070076836"/>
+        <p14:creationId xmlns:p14="http://schemas.microsoft.com/office/powerpoint/2010/main" val="2461776048"/>
       </p:ext>
     </p:extLst>
   </p:cSld>
@@ -2628,7 +2612,15 @@
           <a:p>
             <a:r>
               <a:rPr lang="en-US" dirty="0"/>
-              <a:t>Not all services need to be resolved runtime from the connection ID. Some services – let’s call them system services – are configured using the standard ASP.NET Dependency Injection mechanism.</a:t>
+              <a:t>Here you can see how the service locator is used in an ASP.NET controller action (this is from the </a:t>
+            </a:r>
+            <a:r>
+              <a:rPr lang="en-US" b="1" dirty="0"/>
+              <a:t>time series </a:t>
+            </a:r>
+            <a:r>
+              <a:rPr lang="en-US" dirty="0"/>
+              <a:t>Web API) - to retrieve a connection with a particular connection ID at runtime.</a:t>
             </a:r>
           </a:p>
           <a:p>
@@ -2637,57 +2629,7 @@
           <a:p>
             <a:r>
               <a:rPr lang="en-US" dirty="0"/>
-              <a:t>Here is an example of registration of a </a:t>
-            </a:r>
-            <a:r>
-              <a:rPr lang="en-US" b="1" dirty="0"/>
-              <a:t>user account repository</a:t>
-            </a:r>
-            <a:r>
-              <a:rPr lang="en-US" dirty="0"/>
-              <a:t>, which is required in the Authorization Server and a logger.</a:t>
-            </a:r>
-          </a:p>
-          <a:p>
-            <a:endParaRPr lang="en-US" dirty="0"/>
-          </a:p>
-          <a:p>
-            <a:r>
-              <a:rPr lang="en-US" dirty="0"/>
-              <a:t>This is done in the so-called service collection of the </a:t>
-            </a:r>
-            <a:r>
-              <a:rPr lang="en-US" dirty="0" err="1"/>
-              <a:t>WebApplicationBuilder</a:t>
-            </a:r>
-            <a:r>
-              <a:rPr lang="en-US" dirty="0"/>
-              <a:t> object.</a:t>
-            </a:r>
-          </a:p>
-          <a:p>
-            <a:endParaRPr lang="en-US" dirty="0"/>
-          </a:p>
-          <a:p>
-            <a:r>
-              <a:rPr lang="en-US" dirty="0"/>
-              <a:t>It also takes place in the </a:t>
-            </a:r>
-            <a:r>
-              <a:rPr lang="en-US" dirty="0" err="1"/>
-              <a:t>Program.cs</a:t>
-            </a:r>
-            <a:r>
-              <a:rPr lang="en-US" dirty="0"/>
-              <a:t> (or </a:t>
-            </a:r>
-            <a:r>
-              <a:rPr lang="en-US" dirty="0" err="1"/>
-              <a:t>Startup.cs</a:t>
-            </a:r>
-            <a:r>
-              <a:rPr lang="en-US" dirty="0"/>
-              <a:t>) file which is the “composition root” of any ASP.NET project. It is all standard ASP.NET.</a:t>
+              <a:t>No “YOUR CODE” stamp! Unless you write custom controllers, you don’t have to write code like this</a:t>
             </a:r>
           </a:p>
           <a:p>
@@ -2724,7 +2666,7 @@
     </p:spTree>
     <p:extLst>
       <p:ext uri="{BB962C8B-B14F-4D97-AF65-F5344CB8AC3E}">
-        <p14:creationId xmlns:p14="http://schemas.microsoft.com/office/powerpoint/2010/main" val="3730401223"/>
+        <p14:creationId xmlns:p14="http://schemas.microsoft.com/office/powerpoint/2010/main" val="2070076836"/>
       </p:ext>
     </p:extLst>
   </p:cSld>
@@ -2778,182 +2720,74 @@
           <a:bodyPr/>
           <a:lstStyle/>
           <a:p>
-            <a:pPr algn="l"/>
-            <a:r>
-              <a:rPr lang="en-US" b="0" i="0" dirty="0">
-                <a:effectLst/>
-                <a:latin typeface="Roboto" panose="02000000000000000000" pitchFamily="2" charset="0"/>
-              </a:rPr>
-              <a:t>There are 2 types of configuration string placeholders, you can use in you configuration of an application.</a:t>
-            </a:r>
-          </a:p>
-          <a:p>
-            <a:pPr algn="l"/>
-            <a:endParaRPr lang="en-US" b="0" i="0" dirty="0">
-              <a:effectLst/>
-              <a:latin typeface="Roboto" panose="02000000000000000000" pitchFamily="2" charset="0"/>
-            </a:endParaRPr>
-          </a:p>
-          <a:p>
-            <a:pPr algn="l"/>
-            <a:r>
-              <a:rPr lang="en-US" b="0" i="0" dirty="0">
-                <a:effectLst/>
-                <a:latin typeface="Roboto" panose="02000000000000000000" pitchFamily="2" charset="0"/>
-              </a:rPr>
-              <a:t>By convention, data files are often placed in the ASP.NET </a:t>
-            </a:r>
-            <a:r>
-              <a:rPr lang="en-US" b="1" i="0" dirty="0" err="1">
-                <a:effectLst/>
-                <a:latin typeface="Roboto" panose="02000000000000000000" pitchFamily="2" charset="0"/>
-              </a:rPr>
-              <a:t>App_Data</a:t>
-            </a:r>
-            <a:r>
-              <a:rPr lang="en-US" b="1" i="0" dirty="0">
-                <a:effectLst/>
-                <a:latin typeface="Roboto" panose="02000000000000000000" pitchFamily="2" charset="0"/>
-              </a:rPr>
-              <a:t> </a:t>
-            </a:r>
-            <a:r>
-              <a:rPr lang="en-US" b="0" i="0" dirty="0">
-                <a:effectLst/>
-                <a:latin typeface="Roboto" panose="02000000000000000000" pitchFamily="2" charset="0"/>
-              </a:rPr>
-              <a:t>folder or sub folders to this. In this case, instead of giving the full path to the </a:t>
-            </a:r>
-            <a:r>
-              <a:rPr lang="en-US" b="0" i="0" dirty="0" err="1">
-                <a:effectLst/>
-                <a:latin typeface="Roboto" panose="02000000000000000000" pitchFamily="2" charset="0"/>
-              </a:rPr>
-              <a:t>App_Data</a:t>
-            </a:r>
-            <a:r>
-              <a:rPr lang="en-US" b="0" i="0" dirty="0">
-                <a:effectLst/>
-                <a:latin typeface="Roboto" panose="02000000000000000000" pitchFamily="2" charset="0"/>
-              </a:rPr>
-              <a:t> folder when defining the connection string, then the </a:t>
-            </a:r>
-            <a:r>
-              <a:rPr lang="en-US" b="1" i="0" dirty="0">
-                <a:effectLst/>
-                <a:latin typeface="Roboto" panose="02000000000000000000" pitchFamily="2" charset="0"/>
-              </a:rPr>
-              <a:t>[</a:t>
-            </a:r>
-            <a:r>
-              <a:rPr lang="en-US" b="1" i="0" dirty="0" err="1">
-                <a:effectLst/>
-                <a:latin typeface="Roboto" panose="02000000000000000000" pitchFamily="2" charset="0"/>
-              </a:rPr>
-              <a:t>AppData</a:t>
-            </a:r>
-            <a:r>
-              <a:rPr lang="en-US" b="1" i="0" dirty="0">
-                <a:effectLst/>
-                <a:latin typeface="Roboto" panose="02000000000000000000" pitchFamily="2" charset="0"/>
-              </a:rPr>
-              <a:t>]</a:t>
-            </a:r>
-            <a:r>
-              <a:rPr lang="en-US" b="0" i="0" dirty="0">
-                <a:effectLst/>
-                <a:latin typeface="Roboto" panose="02000000000000000000" pitchFamily="2" charset="0"/>
-              </a:rPr>
-              <a:t>-placeholder can be used. Then the [</a:t>
-            </a:r>
-            <a:r>
-              <a:rPr lang="en-US" b="0" i="0" dirty="0" err="1">
-                <a:effectLst/>
-                <a:latin typeface="Roboto" panose="02000000000000000000" pitchFamily="2" charset="0"/>
-              </a:rPr>
-              <a:t>AppData</a:t>
-            </a:r>
-            <a:r>
-              <a:rPr lang="en-US" b="0" i="0" dirty="0">
-                <a:effectLst/>
-                <a:latin typeface="Roboto" panose="02000000000000000000" pitchFamily="2" charset="0"/>
-              </a:rPr>
-              <a:t>]-placeholder will be resolved to the full folder path at runtime.</a:t>
-            </a:r>
-          </a:p>
-          <a:p>
-            <a:pPr algn="l"/>
-            <a:endParaRPr lang="en-US" b="0" i="0" dirty="0">
-              <a:effectLst/>
-              <a:latin typeface="Roboto" panose="02000000000000000000" pitchFamily="2" charset="0"/>
-            </a:endParaRPr>
-          </a:p>
-          <a:p>
-            <a:pPr algn="l"/>
-            <a:r>
-              <a:rPr lang="en-US" b="0" i="0" dirty="0">
-                <a:effectLst/>
-                <a:latin typeface="Roboto" panose="02000000000000000000" pitchFamily="2" charset="0"/>
-              </a:rPr>
-              <a:t>The other type of placeholder is for looking up the value of an environment variable at runtime. The syntax is as shown here. This placeholder will be replaced by the actual value of the </a:t>
-            </a:r>
-            <a:r>
-              <a:rPr lang="en-US" b="0" i="0" dirty="0" err="1">
-                <a:effectLst/>
-                <a:latin typeface="Roboto" panose="02000000000000000000" pitchFamily="2" charset="0"/>
-              </a:rPr>
-              <a:t>PostgreSqlConnectionString</a:t>
-            </a:r>
-            <a:r>
-              <a:rPr lang="en-US" b="0" i="0" dirty="0">
-                <a:effectLst/>
-                <a:latin typeface="Roboto" panose="02000000000000000000" pitchFamily="2" charset="0"/>
-              </a:rPr>
-              <a:t> environment variable.</a:t>
-            </a:r>
-          </a:p>
-          <a:p>
-            <a:pPr algn="l"/>
-            <a:endParaRPr lang="en-US" b="0" i="0" dirty="0">
-              <a:effectLst/>
-              <a:latin typeface="Roboto" panose="02000000000000000000" pitchFamily="2" charset="0"/>
-            </a:endParaRPr>
-          </a:p>
-          <a:p>
-            <a:pPr algn="l"/>
-            <a:r>
-              <a:rPr lang="en-US" b="0" i="0" dirty="0">
-                <a:effectLst/>
-                <a:latin typeface="Roboto" panose="02000000000000000000" pitchFamily="2" charset="0"/>
-              </a:rPr>
-              <a:t>To trigger the actual runtime conversion, you must call the </a:t>
-            </a:r>
-            <a:r>
-              <a:rPr lang="en-US" b="1" i="0" dirty="0">
-                <a:effectLst/>
-                <a:latin typeface="Roboto" panose="02000000000000000000" pitchFamily="2" charset="0"/>
-              </a:rPr>
-              <a:t>Resolve()</a:t>
-            </a:r>
-            <a:r>
-              <a:rPr lang="en-US" b="0" i="0" dirty="0">
-                <a:effectLst/>
-                <a:latin typeface="Roboto" panose="02000000000000000000" pitchFamily="2" charset="0"/>
-              </a:rPr>
-              <a:t> extension method.</a:t>
-            </a:r>
-          </a:p>
-          <a:p>
-            <a:pPr algn="l"/>
-            <a:endParaRPr lang="en-US" b="0" i="0" dirty="0">
-              <a:effectLst/>
-              <a:latin typeface="Roboto" panose="02000000000000000000" pitchFamily="2" charset="0"/>
-            </a:endParaRPr>
-          </a:p>
-          <a:p>
-            <a:br>
+            <a:r>
               <a:rPr lang="en-US" dirty="0"/>
-            </a:br>
+              <a:t>Not all services need to be resolved runtime from the connection ID. Some services – let’s call them system services – are configured using the standard ASP.NET Dependency Injection mechanism.</a:t>
+            </a:r>
+          </a:p>
+          <a:p>
+            <a:endParaRPr lang="en-US" dirty="0"/>
+          </a:p>
+          <a:p>
+            <a:r>
+              <a:rPr lang="en-US" dirty="0"/>
+              <a:t>Here is an example of registration of a </a:t>
+            </a:r>
+            <a:r>
+              <a:rPr lang="en-US" b="1" dirty="0"/>
+              <a:t>user account repository</a:t>
+            </a:r>
+            <a:r>
+              <a:rPr lang="en-US" dirty="0"/>
+              <a:t>, which is required in the Authorization Server and a logger.</a:t>
+            </a:r>
+          </a:p>
+          <a:p>
+            <a:endParaRPr lang="en-US" dirty="0"/>
+          </a:p>
+          <a:p>
+            <a:r>
+              <a:rPr lang="en-US" dirty="0"/>
+              <a:t>This is done in the so-called service collection of the </a:t>
+            </a:r>
+            <a:r>
+              <a:rPr lang="en-US" dirty="0" err="1"/>
+              <a:t>WebApplicationBuilder</a:t>
+            </a:r>
+            <a:r>
+              <a:rPr lang="en-US" dirty="0"/>
+              <a:t> object.</a:t>
+            </a:r>
+          </a:p>
+          <a:p>
+            <a:endParaRPr lang="en-US" dirty="0"/>
+          </a:p>
+          <a:p>
+            <a:r>
+              <a:rPr lang="en-US" dirty="0"/>
+              <a:t>It also takes place in the </a:t>
+            </a:r>
+            <a:r>
+              <a:rPr lang="en-US" dirty="0" err="1"/>
+              <a:t>Program.cs</a:t>
+            </a:r>
+            <a:r>
+              <a:rPr lang="en-US" dirty="0"/>
+              <a:t> (or </a:t>
+            </a:r>
+            <a:r>
+              <a:rPr lang="en-US" dirty="0" err="1"/>
+              <a:t>Startup.cs</a:t>
+            </a:r>
+            <a:r>
+              <a:rPr lang="en-US" dirty="0"/>
+              <a:t>) file which is the “composition root” of any ASP.NET project. It is all standard ASP.NET.</a:t>
+            </a:r>
+          </a:p>
+          <a:p>
+            <a:endParaRPr lang="en-US" dirty="0"/>
+          </a:p>
+          <a:p>
             <a:endParaRPr lang="en-US" dirty="0"/>
           </a:p>
         </p:txBody>
@@ -2984,7 +2818,7 @@
     </p:spTree>
     <p:extLst>
       <p:ext uri="{BB962C8B-B14F-4D97-AF65-F5344CB8AC3E}">
-        <p14:creationId xmlns:p14="http://schemas.microsoft.com/office/powerpoint/2010/main" val="467576495"/>
+        <p14:creationId xmlns:p14="http://schemas.microsoft.com/office/powerpoint/2010/main" val="3730401223"/>
       </p:ext>
     </p:extLst>
   </p:cSld>
@@ -3038,14 +2872,182 @@
           <a:bodyPr/>
           <a:lstStyle/>
           <a:p>
-            <a:r>
-              <a:rPr lang="da-DK" dirty="0"/>
-              <a:t>5 </a:t>
-            </a:r>
-            <a:r>
-              <a:rPr lang="da-DK" dirty="0" err="1"/>
-              <a:t>minutes</a:t>
-            </a:r>
+            <a:pPr algn="l"/>
+            <a:r>
+              <a:rPr lang="en-US" b="0" i="0" dirty="0">
+                <a:effectLst/>
+                <a:latin typeface="Roboto" panose="02000000000000000000" pitchFamily="2" charset="0"/>
+              </a:rPr>
+              <a:t>There are 2 types of configuration string placeholders, you can use in you configuration of an application.</a:t>
+            </a:r>
+          </a:p>
+          <a:p>
+            <a:pPr algn="l"/>
+            <a:endParaRPr lang="en-US" b="0" i="0" dirty="0">
+              <a:effectLst/>
+              <a:latin typeface="Roboto" panose="02000000000000000000" pitchFamily="2" charset="0"/>
+            </a:endParaRPr>
+          </a:p>
+          <a:p>
+            <a:pPr algn="l"/>
+            <a:r>
+              <a:rPr lang="en-US" b="0" i="0" dirty="0">
+                <a:effectLst/>
+                <a:latin typeface="Roboto" panose="02000000000000000000" pitchFamily="2" charset="0"/>
+              </a:rPr>
+              <a:t>By convention, data files are often placed in the ASP.NET </a:t>
+            </a:r>
+            <a:r>
+              <a:rPr lang="en-US" b="1" i="0" dirty="0" err="1">
+                <a:effectLst/>
+                <a:latin typeface="Roboto" panose="02000000000000000000" pitchFamily="2" charset="0"/>
+              </a:rPr>
+              <a:t>App_Data</a:t>
+            </a:r>
+            <a:r>
+              <a:rPr lang="en-US" b="1" i="0" dirty="0">
+                <a:effectLst/>
+                <a:latin typeface="Roboto" panose="02000000000000000000" pitchFamily="2" charset="0"/>
+              </a:rPr>
+              <a:t> </a:t>
+            </a:r>
+            <a:r>
+              <a:rPr lang="en-US" b="0" i="0" dirty="0">
+                <a:effectLst/>
+                <a:latin typeface="Roboto" panose="02000000000000000000" pitchFamily="2" charset="0"/>
+              </a:rPr>
+              <a:t>folder or sub folders to this. In this case, instead of giving the full path to the </a:t>
+            </a:r>
+            <a:r>
+              <a:rPr lang="en-US" b="0" i="0" dirty="0" err="1">
+                <a:effectLst/>
+                <a:latin typeface="Roboto" panose="02000000000000000000" pitchFamily="2" charset="0"/>
+              </a:rPr>
+              <a:t>App_Data</a:t>
+            </a:r>
+            <a:r>
+              <a:rPr lang="en-US" b="0" i="0" dirty="0">
+                <a:effectLst/>
+                <a:latin typeface="Roboto" panose="02000000000000000000" pitchFamily="2" charset="0"/>
+              </a:rPr>
+              <a:t> folder when defining the connection string, then the </a:t>
+            </a:r>
+            <a:r>
+              <a:rPr lang="en-US" b="1" i="0" dirty="0">
+                <a:effectLst/>
+                <a:latin typeface="Roboto" panose="02000000000000000000" pitchFamily="2" charset="0"/>
+              </a:rPr>
+              <a:t>[</a:t>
+            </a:r>
+            <a:r>
+              <a:rPr lang="en-US" b="1" i="0" dirty="0" err="1">
+                <a:effectLst/>
+                <a:latin typeface="Roboto" panose="02000000000000000000" pitchFamily="2" charset="0"/>
+              </a:rPr>
+              <a:t>AppData</a:t>
+            </a:r>
+            <a:r>
+              <a:rPr lang="en-US" b="1" i="0" dirty="0">
+                <a:effectLst/>
+                <a:latin typeface="Roboto" panose="02000000000000000000" pitchFamily="2" charset="0"/>
+              </a:rPr>
+              <a:t>]</a:t>
+            </a:r>
+            <a:r>
+              <a:rPr lang="en-US" b="0" i="0" dirty="0">
+                <a:effectLst/>
+                <a:latin typeface="Roboto" panose="02000000000000000000" pitchFamily="2" charset="0"/>
+              </a:rPr>
+              <a:t>-placeholder can be used. Then the [</a:t>
+            </a:r>
+            <a:r>
+              <a:rPr lang="en-US" b="0" i="0" dirty="0" err="1">
+                <a:effectLst/>
+                <a:latin typeface="Roboto" panose="02000000000000000000" pitchFamily="2" charset="0"/>
+              </a:rPr>
+              <a:t>AppData</a:t>
+            </a:r>
+            <a:r>
+              <a:rPr lang="en-US" b="0" i="0" dirty="0">
+                <a:effectLst/>
+                <a:latin typeface="Roboto" panose="02000000000000000000" pitchFamily="2" charset="0"/>
+              </a:rPr>
+              <a:t>]-placeholder will be resolved to the full folder path at runtime.</a:t>
+            </a:r>
+          </a:p>
+          <a:p>
+            <a:pPr algn="l"/>
+            <a:endParaRPr lang="en-US" b="0" i="0" dirty="0">
+              <a:effectLst/>
+              <a:latin typeface="Roboto" panose="02000000000000000000" pitchFamily="2" charset="0"/>
+            </a:endParaRPr>
+          </a:p>
+          <a:p>
+            <a:pPr algn="l"/>
+            <a:r>
+              <a:rPr lang="en-US" b="0" i="0" dirty="0">
+                <a:effectLst/>
+                <a:latin typeface="Roboto" panose="02000000000000000000" pitchFamily="2" charset="0"/>
+              </a:rPr>
+              <a:t>The other type of placeholder is for looking up the value of an environment variable at runtime. The syntax is as shown here. This placeholder will be replaced by the actual value of the </a:t>
+            </a:r>
+            <a:r>
+              <a:rPr lang="en-US" b="0" i="0" dirty="0" err="1">
+                <a:effectLst/>
+                <a:latin typeface="Roboto" panose="02000000000000000000" pitchFamily="2" charset="0"/>
+              </a:rPr>
+              <a:t>PostgreSqlConnectionString</a:t>
+            </a:r>
+            <a:r>
+              <a:rPr lang="en-US" b="0" i="0" dirty="0">
+                <a:effectLst/>
+                <a:latin typeface="Roboto" panose="02000000000000000000" pitchFamily="2" charset="0"/>
+              </a:rPr>
+              <a:t> environment variable.</a:t>
+            </a:r>
+          </a:p>
+          <a:p>
+            <a:pPr algn="l"/>
+            <a:endParaRPr lang="en-US" b="0" i="0" dirty="0">
+              <a:effectLst/>
+              <a:latin typeface="Roboto" panose="02000000000000000000" pitchFamily="2" charset="0"/>
+            </a:endParaRPr>
+          </a:p>
+          <a:p>
+            <a:pPr algn="l"/>
+            <a:r>
+              <a:rPr lang="en-US" b="0" i="0" dirty="0">
+                <a:effectLst/>
+                <a:latin typeface="Roboto" panose="02000000000000000000" pitchFamily="2" charset="0"/>
+              </a:rPr>
+              <a:t>To trigger the actual runtime conversion, you must call the </a:t>
+            </a:r>
+            <a:r>
+              <a:rPr lang="en-US" b="1" i="0" dirty="0">
+                <a:effectLst/>
+                <a:latin typeface="Roboto" panose="02000000000000000000" pitchFamily="2" charset="0"/>
+              </a:rPr>
+              <a:t>Resolve()</a:t>
+            </a:r>
+            <a:r>
+              <a:rPr lang="en-US" b="0" i="0" dirty="0">
+                <a:effectLst/>
+                <a:latin typeface="Roboto" panose="02000000000000000000" pitchFamily="2" charset="0"/>
+              </a:rPr>
+              <a:t> extension method.</a:t>
+            </a:r>
+          </a:p>
+          <a:p>
+            <a:pPr algn="l"/>
+            <a:endParaRPr lang="en-US" b="0" i="0" dirty="0">
+              <a:effectLst/>
+              <a:latin typeface="Roboto" panose="02000000000000000000" pitchFamily="2" charset="0"/>
+            </a:endParaRPr>
+          </a:p>
+          <a:p>
+            <a:br>
+              <a:rPr lang="en-US" dirty="0"/>
+            </a:br>
             <a:endParaRPr lang="en-US" dirty="0"/>
           </a:p>
         </p:txBody>
@@ -3065,7 +3067,7 @@
           <a:bodyPr/>
           <a:lstStyle/>
           <a:p>
-            <a:fld id="{63C35790-097B-4F4A-AC65-68906F1196B8}" type="slidenum">
+            <a:fld id="{A6E96146-6681-4DBF-B085-F659EAF9A4FE}" type="slidenum">
               <a:rPr lang="en-US" smtClean="0"/>
               <a:t>26</a:t>
             </a:fld>
@@ -3076,7 +3078,7 @@
     </p:spTree>
     <p:extLst>
       <p:ext uri="{BB962C8B-B14F-4D97-AF65-F5344CB8AC3E}">
-        <p14:creationId xmlns:p14="http://schemas.microsoft.com/office/powerpoint/2010/main" val="1321608382"/>
+        <p14:creationId xmlns:p14="http://schemas.microsoft.com/office/powerpoint/2010/main" val="467576495"/>
       </p:ext>
     </p:extLst>
   </p:cSld>
@@ -3130,44 +3132,15 @@
           <a:bodyPr/>
           <a:lstStyle/>
           <a:p>
-            <a:pPr marL="171450" indent="-171450">
-              <a:buFont typeface="Arial" panose="020B0604020202020204" pitchFamily="34" charset="0"/>
-              <a:buChar char="•"/>
-            </a:pPr>
-            <a:r>
-              <a:rPr lang="en-US" dirty="0"/>
-              <a:t>Securing your application is hard! There is indeed a lot to be worried about</a:t>
-            </a:r>
-          </a:p>
-          <a:p>
-            <a:pPr marL="171450" indent="-171450">
-              <a:buFont typeface="Arial" panose="020B0604020202020204" pitchFamily="34" charset="0"/>
-              <a:buChar char="•"/>
-            </a:pPr>
-            <a:r>
-              <a:rPr lang="en-US" dirty="0"/>
-              <a:t>Here are just a few of the security aspects to consider. </a:t>
-            </a:r>
-          </a:p>
-          <a:p>
-            <a:pPr marL="171450" indent="-171450">
-              <a:buFont typeface="Arial" panose="020B0604020202020204" pitchFamily="34" charset="0"/>
-              <a:buChar char="•"/>
-            </a:pPr>
-            <a:r>
-              <a:rPr lang="en-US" dirty="0"/>
-              <a:t>Focusing on the first couple of them alone (#)</a:t>
-            </a:r>
-          </a:p>
-          <a:p>
-            <a:pPr marL="171450" indent="-171450">
-              <a:buFont typeface="Arial" panose="020B0604020202020204" pitchFamily="34" charset="0"/>
-              <a:buChar char="•"/>
-            </a:pPr>
-            <a:r>
-              <a:rPr lang="en-US" dirty="0"/>
-              <a:t>Other security aspects might be covered to a certain degree in Module 5 (Deployment)</a:t>
-            </a:r>
+            <a:r>
+              <a:rPr lang="da-DK" dirty="0"/>
+              <a:t>5 </a:t>
+            </a:r>
+            <a:r>
+              <a:rPr lang="da-DK" dirty="0" err="1"/>
+              <a:t>minutes</a:t>
+            </a:r>
+            <a:endParaRPr lang="en-US" dirty="0"/>
           </a:p>
         </p:txBody>
       </p:sp>
@@ -3186,9 +3159,9 @@
           <a:bodyPr/>
           <a:lstStyle/>
           <a:p>
-            <a:fld id="{A6E96146-6681-4DBF-B085-F659EAF9A4FE}" type="slidenum">
+            <a:fld id="{63C35790-097B-4F4A-AC65-68906F1196B8}" type="slidenum">
               <a:rPr lang="en-US" smtClean="0"/>
-              <a:t>28</a:t>
+              <a:t>27</a:t>
             </a:fld>
             <a:endParaRPr lang="en-US"/>
           </a:p>
@@ -3197,7 +3170,7 @@
     </p:spTree>
     <p:extLst>
       <p:ext uri="{BB962C8B-B14F-4D97-AF65-F5344CB8AC3E}">
-        <p14:creationId xmlns:p14="http://schemas.microsoft.com/office/powerpoint/2010/main" val="2479059886"/>
+        <p14:creationId xmlns:p14="http://schemas.microsoft.com/office/powerpoint/2010/main" val="1321608382"/>
       </p:ext>
     </p:extLst>
   </p:cSld>
@@ -3251,155 +3224,44 @@
           <a:bodyPr/>
           <a:lstStyle/>
           <a:p>
-            <a:pPr marL="0" marR="0" lvl="0" indent="0" algn="l" defTabSz="914400" rtl="0" eaLnBrk="1" fontAlgn="auto" latinLnBrk="0" hangingPunct="1">
-              <a:lnSpc>
-                <a:spcPct val="100000"/>
-              </a:lnSpc>
-              <a:spcBef>
-                <a:spcPts val="0"/>
-              </a:spcBef>
-              <a:spcAft>
-                <a:spcPts val="0"/>
-              </a:spcAft>
-              <a:buClrTx/>
-              <a:buSzTx/>
-              <a:buFontTx/>
-              <a:buNone/>
-              <a:tabLst/>
-              <a:defRPr/>
-            </a:pPr>
-            <a:r>
-              <a:rPr lang="en-US" sz="1200" b="0" i="0" kern="1200" dirty="0">
-                <a:solidFill>
-                  <a:schemeClr val="tx1"/>
-                </a:solidFill>
-                <a:effectLst/>
-                <a:latin typeface="+mn-lt"/>
-                <a:ea typeface="+mn-ea"/>
-                <a:cs typeface="+mn-cs"/>
-              </a:rPr>
-              <a:t>DS supports the OAuth authorization flow called: "Resource Owner Password Credentials Grant".</a:t>
-            </a:r>
-          </a:p>
-          <a:p>
-            <a:pPr marL="0" marR="0" lvl="0" indent="0" algn="l" defTabSz="914400" rtl="0" eaLnBrk="1" fontAlgn="auto" latinLnBrk="0" hangingPunct="1">
-              <a:lnSpc>
-                <a:spcPct val="100000"/>
-              </a:lnSpc>
-              <a:spcBef>
-                <a:spcPts val="0"/>
-              </a:spcBef>
-              <a:spcAft>
-                <a:spcPts val="0"/>
-              </a:spcAft>
-              <a:buClrTx/>
-              <a:buSzTx/>
-              <a:buFontTx/>
-              <a:buNone/>
-              <a:tabLst/>
-              <a:defRPr/>
-            </a:pPr>
-            <a:r>
-              <a:rPr lang="en-US" sz="1200" b="0" i="0" kern="1200" dirty="0">
-                <a:solidFill>
-                  <a:schemeClr val="tx1"/>
-                </a:solidFill>
-                <a:effectLst/>
-                <a:latin typeface="+mn-lt"/>
-                <a:ea typeface="+mn-ea"/>
-                <a:cs typeface="+mn-cs"/>
-              </a:rPr>
-              <a:t>Nice separation of concerns:</a:t>
-            </a:r>
-          </a:p>
-          <a:p>
-            <a:pPr marL="171450" marR="0" lvl="0" indent="-171450" algn="l" defTabSz="914400" rtl="0" eaLnBrk="1" fontAlgn="auto" latinLnBrk="0" hangingPunct="1">
-              <a:lnSpc>
-                <a:spcPct val="100000"/>
-              </a:lnSpc>
-              <a:spcBef>
-                <a:spcPts val="0"/>
-              </a:spcBef>
-              <a:spcAft>
-                <a:spcPts val="0"/>
-              </a:spcAft>
-              <a:buClrTx/>
-              <a:buSzTx/>
+            <a:pPr marL="171450" indent="-171450">
               <a:buFont typeface="Arial" panose="020B0604020202020204" pitchFamily="34" charset="0"/>
               <a:buChar char="•"/>
-              <a:tabLst/>
-              <a:defRPr/>
             </a:pPr>
             <a:r>
-              <a:rPr lang="en-US" sz="1200" b="0" i="0" kern="1200" dirty="0">
-                <a:solidFill>
-                  <a:schemeClr val="tx1"/>
-                </a:solidFill>
-                <a:effectLst/>
-                <a:latin typeface="+mn-lt"/>
-                <a:ea typeface="+mn-ea"/>
-                <a:cs typeface="+mn-cs"/>
-              </a:rPr>
-              <a:t>Different Web servers (whether they represent applications or individual microservices within an application) can share the same instance of an authorization server</a:t>
-            </a:r>
-          </a:p>
-          <a:p>
-            <a:pPr marL="171450" marR="0" lvl="0" indent="-171450" algn="l" defTabSz="914400" rtl="0" eaLnBrk="1" fontAlgn="auto" latinLnBrk="0" hangingPunct="1">
-              <a:lnSpc>
-                <a:spcPct val="100000"/>
-              </a:lnSpc>
-              <a:spcBef>
-                <a:spcPts val="0"/>
-              </a:spcBef>
-              <a:spcAft>
-                <a:spcPts val="0"/>
-              </a:spcAft>
-              <a:buClrTx/>
-              <a:buSzTx/>
+              <a:rPr lang="en-US" dirty="0"/>
+              <a:t>Securing your application is hard! There is indeed a lot to be worried about</a:t>
+            </a:r>
+          </a:p>
+          <a:p>
+            <a:pPr marL="171450" indent="-171450">
               <a:buFont typeface="Arial" panose="020B0604020202020204" pitchFamily="34" charset="0"/>
               <a:buChar char="•"/>
-              <a:tabLst/>
-              <a:defRPr/>
             </a:pPr>
             <a:r>
-              <a:rPr lang="en-US" sz="1200" b="0" i="0" kern="1200" dirty="0">
-                <a:solidFill>
-                  <a:schemeClr val="tx1"/>
-                </a:solidFill>
-                <a:effectLst/>
-                <a:latin typeface="+mn-lt"/>
-                <a:ea typeface="+mn-ea"/>
-                <a:cs typeface="+mn-cs"/>
-              </a:rPr>
-              <a:t>The Authorization server can be replaced with 3</a:t>
-            </a:r>
-            <a:r>
-              <a:rPr lang="en-US" sz="1200" b="0" i="0" kern="1200" baseline="30000" dirty="0">
-                <a:solidFill>
-                  <a:schemeClr val="tx1"/>
-                </a:solidFill>
-                <a:effectLst/>
-                <a:latin typeface="+mn-lt"/>
-                <a:ea typeface="+mn-ea"/>
-                <a:cs typeface="+mn-cs"/>
-              </a:rPr>
-              <a:t>rd</a:t>
-            </a:r>
-            <a:r>
-              <a:rPr lang="en-US" sz="1200" b="0" i="0" kern="1200" dirty="0">
-                <a:solidFill>
-                  <a:schemeClr val="tx1"/>
-                </a:solidFill>
-                <a:effectLst/>
-                <a:latin typeface="+mn-lt"/>
-                <a:ea typeface="+mn-ea"/>
-                <a:cs typeface="+mn-cs"/>
-              </a:rPr>
-              <a:t> party Authorization servers (e.g. Auth0 or MIKE Cloud authentication)</a:t>
-            </a:r>
-          </a:p>
-          <a:p>
-            <a:endParaRPr lang="en-US" dirty="0"/>
+              <a:rPr lang="en-US" dirty="0"/>
+              <a:t>Here are just a few of the security aspects to consider. </a:t>
+            </a:r>
+          </a:p>
+          <a:p>
+            <a:pPr marL="171450" indent="-171450">
+              <a:buFont typeface="Arial" panose="020B0604020202020204" pitchFamily="34" charset="0"/>
+              <a:buChar char="•"/>
+            </a:pPr>
+            <a:r>
+              <a:rPr lang="en-US" dirty="0"/>
+              <a:t>Focusing on the first couple of them alone (#)</a:t>
+            </a:r>
+          </a:p>
+          <a:p>
+            <a:pPr marL="171450" indent="-171450">
+              <a:buFont typeface="Arial" panose="020B0604020202020204" pitchFamily="34" charset="0"/>
+              <a:buChar char="•"/>
+            </a:pPr>
+            <a:r>
+              <a:rPr lang="en-US" dirty="0"/>
+              <a:t>Other security aspects might be covered to a certain degree in Module 5 (Deployment)</a:t>
+            </a:r>
           </a:p>
         </p:txBody>
       </p:sp>
@@ -3418,7 +3280,7 @@
           <a:bodyPr/>
           <a:lstStyle/>
           <a:p>
-            <a:fld id="{63C35790-097B-4F4A-AC65-68906F1196B8}" type="slidenum">
+            <a:fld id="{A6E96146-6681-4DBF-B085-F659EAF9A4FE}" type="slidenum">
               <a:rPr lang="en-US" smtClean="0"/>
               <a:t>29</a:t>
             </a:fld>
@@ -3429,7 +3291,7 @@
     </p:spTree>
     <p:extLst>
       <p:ext uri="{BB962C8B-B14F-4D97-AF65-F5344CB8AC3E}">
-        <p14:creationId xmlns:p14="http://schemas.microsoft.com/office/powerpoint/2010/main" val="169207910"/>
+        <p14:creationId xmlns:p14="http://schemas.microsoft.com/office/powerpoint/2010/main" val="2479059886"/>
       </p:ext>
     </p:extLst>
   </p:cSld>
@@ -3483,10 +3345,155 @@
           <a:bodyPr/>
           <a:lstStyle/>
           <a:p>
-            <a:r>
-              <a:rPr lang="en-US" dirty="0"/>
-              <a:t>Show </a:t>
-            </a:r>
+            <a:pPr marL="0" marR="0" lvl="0" indent="0" algn="l" defTabSz="914400" rtl="0" eaLnBrk="1" fontAlgn="auto" latinLnBrk="0" hangingPunct="1">
+              <a:lnSpc>
+                <a:spcPct val="100000"/>
+              </a:lnSpc>
+              <a:spcBef>
+                <a:spcPts val="0"/>
+              </a:spcBef>
+              <a:spcAft>
+                <a:spcPts val="0"/>
+              </a:spcAft>
+              <a:buClrTx/>
+              <a:buSzTx/>
+              <a:buFontTx/>
+              <a:buNone/>
+              <a:tabLst/>
+              <a:defRPr/>
+            </a:pPr>
+            <a:r>
+              <a:rPr lang="en-US" sz="1200" b="0" i="0" kern="1200" dirty="0">
+                <a:solidFill>
+                  <a:schemeClr val="tx1"/>
+                </a:solidFill>
+                <a:effectLst/>
+                <a:latin typeface="+mn-lt"/>
+                <a:ea typeface="+mn-ea"/>
+                <a:cs typeface="+mn-cs"/>
+              </a:rPr>
+              <a:t>DS supports the OAuth authorization flow called: "Resource Owner Password Credentials Grant".</a:t>
+            </a:r>
+          </a:p>
+          <a:p>
+            <a:pPr marL="0" marR="0" lvl="0" indent="0" algn="l" defTabSz="914400" rtl="0" eaLnBrk="1" fontAlgn="auto" latinLnBrk="0" hangingPunct="1">
+              <a:lnSpc>
+                <a:spcPct val="100000"/>
+              </a:lnSpc>
+              <a:spcBef>
+                <a:spcPts val="0"/>
+              </a:spcBef>
+              <a:spcAft>
+                <a:spcPts val="0"/>
+              </a:spcAft>
+              <a:buClrTx/>
+              <a:buSzTx/>
+              <a:buFontTx/>
+              <a:buNone/>
+              <a:tabLst/>
+              <a:defRPr/>
+            </a:pPr>
+            <a:r>
+              <a:rPr lang="en-US" sz="1200" b="0" i="0" kern="1200" dirty="0">
+                <a:solidFill>
+                  <a:schemeClr val="tx1"/>
+                </a:solidFill>
+                <a:effectLst/>
+                <a:latin typeface="+mn-lt"/>
+                <a:ea typeface="+mn-ea"/>
+                <a:cs typeface="+mn-cs"/>
+              </a:rPr>
+              <a:t>Nice separation of concerns:</a:t>
+            </a:r>
+          </a:p>
+          <a:p>
+            <a:pPr marL="171450" marR="0" lvl="0" indent="-171450" algn="l" defTabSz="914400" rtl="0" eaLnBrk="1" fontAlgn="auto" latinLnBrk="0" hangingPunct="1">
+              <a:lnSpc>
+                <a:spcPct val="100000"/>
+              </a:lnSpc>
+              <a:spcBef>
+                <a:spcPts val="0"/>
+              </a:spcBef>
+              <a:spcAft>
+                <a:spcPts val="0"/>
+              </a:spcAft>
+              <a:buClrTx/>
+              <a:buSzTx/>
+              <a:buFont typeface="Arial" panose="020B0604020202020204" pitchFamily="34" charset="0"/>
+              <a:buChar char="•"/>
+              <a:tabLst/>
+              <a:defRPr/>
+            </a:pPr>
+            <a:r>
+              <a:rPr lang="en-US" sz="1200" b="0" i="0" kern="1200" dirty="0">
+                <a:solidFill>
+                  <a:schemeClr val="tx1"/>
+                </a:solidFill>
+                <a:effectLst/>
+                <a:latin typeface="+mn-lt"/>
+                <a:ea typeface="+mn-ea"/>
+                <a:cs typeface="+mn-cs"/>
+              </a:rPr>
+              <a:t>Different Web servers (whether they represent applications or individual microservices within an application) can share the same instance of an authorization server</a:t>
+            </a:r>
+          </a:p>
+          <a:p>
+            <a:pPr marL="171450" marR="0" lvl="0" indent="-171450" algn="l" defTabSz="914400" rtl="0" eaLnBrk="1" fontAlgn="auto" latinLnBrk="0" hangingPunct="1">
+              <a:lnSpc>
+                <a:spcPct val="100000"/>
+              </a:lnSpc>
+              <a:spcBef>
+                <a:spcPts val="0"/>
+              </a:spcBef>
+              <a:spcAft>
+                <a:spcPts val="0"/>
+              </a:spcAft>
+              <a:buClrTx/>
+              <a:buSzTx/>
+              <a:buFont typeface="Arial" panose="020B0604020202020204" pitchFamily="34" charset="0"/>
+              <a:buChar char="•"/>
+              <a:tabLst/>
+              <a:defRPr/>
+            </a:pPr>
+            <a:r>
+              <a:rPr lang="en-US" sz="1200" b="0" i="0" kern="1200" dirty="0">
+                <a:solidFill>
+                  <a:schemeClr val="tx1"/>
+                </a:solidFill>
+                <a:effectLst/>
+                <a:latin typeface="+mn-lt"/>
+                <a:ea typeface="+mn-ea"/>
+                <a:cs typeface="+mn-cs"/>
+              </a:rPr>
+              <a:t>The Authorization server can be replaced with 3</a:t>
+            </a:r>
+            <a:r>
+              <a:rPr lang="en-US" sz="1200" b="0" i="0" kern="1200" baseline="30000" dirty="0">
+                <a:solidFill>
+                  <a:schemeClr val="tx1"/>
+                </a:solidFill>
+                <a:effectLst/>
+                <a:latin typeface="+mn-lt"/>
+                <a:ea typeface="+mn-ea"/>
+                <a:cs typeface="+mn-cs"/>
+              </a:rPr>
+              <a:t>rd</a:t>
+            </a:r>
+            <a:r>
+              <a:rPr lang="en-US" sz="1200" b="0" i="0" kern="1200" dirty="0">
+                <a:solidFill>
+                  <a:schemeClr val="tx1"/>
+                </a:solidFill>
+                <a:effectLst/>
+                <a:latin typeface="+mn-lt"/>
+                <a:ea typeface="+mn-ea"/>
+                <a:cs typeface="+mn-cs"/>
+              </a:rPr>
+              <a:t> party Authorization servers (e.g. Auth0 or MIKE Cloud authentication)</a:t>
+            </a:r>
+          </a:p>
+          <a:p>
+            <a:endParaRPr lang="en-US" dirty="0"/>
           </a:p>
         </p:txBody>
       </p:sp>
@@ -3505,7 +3512,7 @@
           <a:bodyPr/>
           <a:lstStyle/>
           <a:p>
-            <a:fld id="{A6E96146-6681-4DBF-B085-F659EAF9A4FE}" type="slidenum">
+            <a:fld id="{63C35790-097B-4F4A-AC65-68906F1196B8}" type="slidenum">
               <a:rPr lang="en-US" smtClean="0"/>
               <a:t>30</a:t>
             </a:fld>
@@ -3516,7 +3523,7 @@
     </p:spTree>
     <p:extLst>
       <p:ext uri="{BB962C8B-B14F-4D97-AF65-F5344CB8AC3E}">
-        <p14:creationId xmlns:p14="http://schemas.microsoft.com/office/powerpoint/2010/main" val="1839957025"/>
+        <p14:creationId xmlns:p14="http://schemas.microsoft.com/office/powerpoint/2010/main" val="169207910"/>
       </p:ext>
     </p:extLst>
   </p:cSld>
@@ -3570,30 +3577,10 @@
           <a:bodyPr/>
           <a:lstStyle/>
           <a:p>
-            <a:pPr marL="0" marR="0" lvl="0" indent="0" algn="l" defTabSz="914400" rtl="0" eaLnBrk="1" fontAlgn="auto" latinLnBrk="0" hangingPunct="1">
-              <a:lnSpc>
-                <a:spcPct val="100000"/>
-              </a:lnSpc>
-              <a:spcBef>
-                <a:spcPts val="0"/>
-              </a:spcBef>
-              <a:spcAft>
-                <a:spcPts val="0"/>
-              </a:spcAft>
-              <a:buClrTx/>
-              <a:buSzTx/>
-              <a:buFontTx/>
-              <a:buNone/>
-              <a:tabLst/>
-              <a:defRPr/>
-            </a:pPr>
             <a:r>
               <a:rPr lang="en-US" dirty="0"/>
-              <a:t>Show templates in Visual Studio Marketplace</a:t>
-            </a:r>
-          </a:p>
-          <a:p>
-            <a:endParaRPr lang="en-US" dirty="0"/>
+              <a:t>Show </a:t>
+            </a:r>
           </a:p>
         </p:txBody>
       </p:sp>
@@ -3623,7 +3610,7 @@
     </p:spTree>
     <p:extLst>
       <p:ext uri="{BB962C8B-B14F-4D97-AF65-F5344CB8AC3E}">
-        <p14:creationId xmlns:p14="http://schemas.microsoft.com/office/powerpoint/2010/main" val="620433353"/>
+        <p14:creationId xmlns:p14="http://schemas.microsoft.com/office/powerpoint/2010/main" val="1839957025"/>
       </p:ext>
     </p:extLst>
   </p:cSld>
@@ -3677,42 +3664,26 @@
           <a:bodyPr/>
           <a:lstStyle/>
           <a:p>
-            <a:r>
-              <a:rPr lang="en-US" noProof="0" dirty="0"/>
-              <a:t>Wrap Up. Before next live session (a week from now)</a:t>
-            </a:r>
-          </a:p>
-          <a:p>
-            <a:endParaRPr lang="en-US" noProof="0" dirty="0"/>
-          </a:p>
-          <a:p>
-            <a:pPr marL="171450" indent="-171450">
-              <a:buFont typeface="Arial" panose="020B0604020202020204" pitchFamily="34" charset="0"/>
-              <a:buChar char="•"/>
+            <a:pPr marL="0" marR="0" lvl="0" indent="0" algn="l" defTabSz="914400" rtl="0" eaLnBrk="1" fontAlgn="auto" latinLnBrk="0" hangingPunct="1">
+              <a:lnSpc>
+                <a:spcPct val="100000"/>
+              </a:lnSpc>
+              <a:spcBef>
+                <a:spcPts val="0"/>
+              </a:spcBef>
+              <a:spcAft>
+                <a:spcPts val="0"/>
+              </a:spcAft>
+              <a:buClrTx/>
+              <a:buSzTx/>
+              <a:buFontTx/>
+              <a:buNone/>
+              <a:tabLst/>
+              <a:defRPr/>
             </a:pPr>
             <a:r>
-              <a:rPr lang="en-US" noProof="0" dirty="0"/>
-              <a:t>Test</a:t>
-            </a:r>
-          </a:p>
-          <a:p>
-            <a:pPr marL="171450" indent="-171450">
-              <a:buFont typeface="Arial" panose="020B0604020202020204" pitchFamily="34" charset="0"/>
-              <a:buChar char="•"/>
-            </a:pPr>
-            <a:r>
-              <a:rPr lang="en-US" noProof="0" dirty="0"/>
-              <a:t>Assignment (Do what I just did in the demo)</a:t>
-            </a:r>
-          </a:p>
-          <a:p>
-            <a:pPr marL="171450" indent="-171450">
-              <a:buFont typeface="Arial" panose="020B0604020202020204" pitchFamily="34" charset="0"/>
-              <a:buChar char="•"/>
-            </a:pPr>
-            <a:r>
-              <a:rPr lang="en-US" noProof="0" dirty="0"/>
-              <a:t>Evaluation (module 1)</a:t>
+              <a:rPr lang="en-US" dirty="0"/>
+              <a:t>Show templates in Visual Studio Marketplace</a:t>
             </a:r>
           </a:p>
           <a:p>
@@ -3735,9 +3706,132 @@
           <a:bodyPr/>
           <a:lstStyle/>
           <a:p>
+            <a:fld id="{A6E96146-6681-4DBF-B085-F659EAF9A4FE}" type="slidenum">
+              <a:rPr lang="en-US" smtClean="0"/>
+              <a:t>32</a:t>
+            </a:fld>
+            <a:endParaRPr lang="en-US"/>
+          </a:p>
+        </p:txBody>
+      </p:sp>
+    </p:spTree>
+    <p:extLst>
+      <p:ext uri="{BB962C8B-B14F-4D97-AF65-F5344CB8AC3E}">
+        <p14:creationId xmlns:p14="http://schemas.microsoft.com/office/powerpoint/2010/main" val="620433353"/>
+      </p:ext>
+    </p:extLst>
+  </p:cSld>
+  <p:clrMapOvr>
+    <a:masterClrMapping/>
+  </p:clrMapOvr>
+</p:notes>
+</file>
+
+<file path=ppt/notesSlides/notesSlide28.xml><?xml version="1.0" encoding="utf-8"?>
+<p:notes xmlns:a="http://schemas.openxmlformats.org/drawingml/2006/main" xmlns:r="http://schemas.openxmlformats.org/officeDocument/2006/relationships" xmlns:p="http://schemas.openxmlformats.org/presentationml/2006/main">
+  <p:cSld>
+    <p:spTree>
+      <p:nvGrpSpPr>
+        <p:cNvPr id="1" name=""/>
+        <p:cNvGrpSpPr/>
+        <p:nvPr/>
+      </p:nvGrpSpPr>
+      <p:grpSpPr>
+        <a:xfrm>
+          <a:off x="0" y="0"/>
+          <a:ext cx="0" cy="0"/>
+          <a:chOff x="0" y="0"/>
+          <a:chExt cx="0" cy="0"/>
+        </a:xfrm>
+      </p:grpSpPr>
+      <p:sp>
+        <p:nvSpPr>
+          <p:cNvPr id="2" name="Slide Image Placeholder 1"/>
+          <p:cNvSpPr>
+            <a:spLocks noGrp="1" noRot="1" noChangeAspect="1"/>
+          </p:cNvSpPr>
+          <p:nvPr>
+            <p:ph type="sldImg"/>
+          </p:nvPr>
+        </p:nvSpPr>
+        <p:spPr/>
+      </p:sp>
+      <p:sp>
+        <p:nvSpPr>
+          <p:cNvPr id="3" name="Notes Placeholder 2"/>
+          <p:cNvSpPr>
+            <a:spLocks noGrp="1"/>
+          </p:cNvSpPr>
+          <p:nvPr>
+            <p:ph type="body" idx="1"/>
+          </p:nvPr>
+        </p:nvSpPr>
+        <p:spPr/>
+        <p:txBody>
+          <a:bodyPr/>
+          <a:lstStyle/>
+          <a:p>
+            <a:r>
+              <a:rPr lang="en-US" noProof="0" dirty="0"/>
+              <a:t>Wrap Up. Before next live session (a week from now)</a:t>
+            </a:r>
+          </a:p>
+          <a:p>
+            <a:endParaRPr lang="en-US" noProof="0" dirty="0"/>
+          </a:p>
+          <a:p>
+            <a:pPr marL="171450" indent="-171450">
+              <a:buFont typeface="Arial" panose="020B0604020202020204" pitchFamily="34" charset="0"/>
+              <a:buChar char="•"/>
+            </a:pPr>
+            <a:r>
+              <a:rPr lang="en-US" noProof="0" dirty="0"/>
+              <a:t>Test</a:t>
+            </a:r>
+          </a:p>
+          <a:p>
+            <a:pPr marL="171450" indent="-171450">
+              <a:buFont typeface="Arial" panose="020B0604020202020204" pitchFamily="34" charset="0"/>
+              <a:buChar char="•"/>
+            </a:pPr>
+            <a:r>
+              <a:rPr lang="en-US" noProof="0" dirty="0"/>
+              <a:t>Assignment (Do what I just did in the demo)</a:t>
+            </a:r>
+          </a:p>
+          <a:p>
+            <a:pPr marL="171450" indent="-171450">
+              <a:buFont typeface="Arial" panose="020B0604020202020204" pitchFamily="34" charset="0"/>
+              <a:buChar char="•"/>
+            </a:pPr>
+            <a:r>
+              <a:rPr lang="en-US" noProof="0" dirty="0"/>
+              <a:t>Evaluation (module 1)</a:t>
+            </a:r>
+          </a:p>
+          <a:p>
+            <a:endParaRPr lang="en-US" dirty="0"/>
+          </a:p>
+        </p:txBody>
+      </p:sp>
+      <p:sp>
+        <p:nvSpPr>
+          <p:cNvPr id="4" name="Slide Number Placeholder 3"/>
+          <p:cNvSpPr>
+            <a:spLocks noGrp="1"/>
+          </p:cNvSpPr>
+          <p:nvPr>
+            <p:ph type="sldNum" sz="quarter" idx="5"/>
+          </p:nvPr>
+        </p:nvSpPr>
+        <p:spPr/>
+        <p:txBody>
+          <a:bodyPr/>
+          <a:lstStyle/>
+          <a:p>
             <a:fld id="{63C35790-097B-4F4A-AC65-68906F1196B8}" type="slidenum">
               <a:rPr lang="en-US" smtClean="0"/>
-              <a:t>32</a:t>
+              <a:t>33</a:t>
             </a:fld>
             <a:endParaRPr lang="en-US"/>
           </a:p>
@@ -4742,7 +4836,7 @@
           <a:p>
             <a:fld id="{973BC00D-352D-4681-8132-8CC5EB9D512D}" type="datetimeFigureOut">
               <a:rPr lang="en-US" smtClean="0"/>
-              <a:t>8/31/2022</a:t>
+              <a:t>9/1/2022</a:t>
             </a:fld>
             <a:endParaRPr lang="en-US"/>
           </a:p>
@@ -4940,7 +5034,7 @@
           <a:p>
             <a:fld id="{973BC00D-352D-4681-8132-8CC5EB9D512D}" type="datetimeFigureOut">
               <a:rPr lang="en-US" smtClean="0"/>
-              <a:t>8/31/2022</a:t>
+              <a:t>9/1/2022</a:t>
             </a:fld>
             <a:endParaRPr lang="en-US"/>
           </a:p>
@@ -5148,7 +5242,7 @@
           <a:p>
             <a:fld id="{973BC00D-352D-4681-8132-8CC5EB9D512D}" type="datetimeFigureOut">
               <a:rPr lang="en-US" smtClean="0"/>
-              <a:t>8/31/2022</a:t>
+              <a:t>9/1/2022</a:t>
             </a:fld>
             <a:endParaRPr lang="en-US"/>
           </a:p>
@@ -5346,7 +5440,7 @@
           <a:p>
             <a:fld id="{973BC00D-352D-4681-8132-8CC5EB9D512D}" type="datetimeFigureOut">
               <a:rPr lang="en-US" smtClean="0"/>
-              <a:t>8/31/2022</a:t>
+              <a:t>9/1/2022</a:t>
             </a:fld>
             <a:endParaRPr lang="en-US"/>
           </a:p>
@@ -5621,7 +5715,7 @@
           <a:p>
             <a:fld id="{973BC00D-352D-4681-8132-8CC5EB9D512D}" type="datetimeFigureOut">
               <a:rPr lang="en-US" smtClean="0"/>
-              <a:t>8/31/2022</a:t>
+              <a:t>9/1/2022</a:t>
             </a:fld>
             <a:endParaRPr lang="en-US"/>
           </a:p>
@@ -5886,7 +5980,7 @@
           <a:p>
             <a:fld id="{973BC00D-352D-4681-8132-8CC5EB9D512D}" type="datetimeFigureOut">
               <a:rPr lang="en-US" smtClean="0"/>
-              <a:t>8/31/2022</a:t>
+              <a:t>9/1/2022</a:t>
             </a:fld>
             <a:endParaRPr lang="en-US"/>
           </a:p>
@@ -6298,7 +6392,7 @@
           <a:p>
             <a:fld id="{973BC00D-352D-4681-8132-8CC5EB9D512D}" type="datetimeFigureOut">
               <a:rPr lang="en-US" smtClean="0"/>
-              <a:t>8/31/2022</a:t>
+              <a:t>9/1/2022</a:t>
             </a:fld>
             <a:endParaRPr lang="en-US"/>
           </a:p>
@@ -6439,7 +6533,7 @@
           <a:p>
             <a:fld id="{973BC00D-352D-4681-8132-8CC5EB9D512D}" type="datetimeFigureOut">
               <a:rPr lang="en-US" smtClean="0"/>
-              <a:t>8/31/2022</a:t>
+              <a:t>9/1/2022</a:t>
             </a:fld>
             <a:endParaRPr lang="en-US"/>
           </a:p>
@@ -6552,7 +6646,7 @@
           <a:p>
             <a:fld id="{973BC00D-352D-4681-8132-8CC5EB9D512D}" type="datetimeFigureOut">
               <a:rPr lang="en-US" smtClean="0"/>
-              <a:t>8/31/2022</a:t>
+              <a:t>9/1/2022</a:t>
             </a:fld>
             <a:endParaRPr lang="en-US"/>
           </a:p>
@@ -6863,7 +6957,7 @@
           <a:p>
             <a:fld id="{973BC00D-352D-4681-8132-8CC5EB9D512D}" type="datetimeFigureOut">
               <a:rPr lang="en-US" smtClean="0"/>
-              <a:t>8/31/2022</a:t>
+              <a:t>9/1/2022</a:t>
             </a:fld>
             <a:endParaRPr lang="en-US"/>
           </a:p>
@@ -7151,7 +7245,7 @@
           <a:p>
             <a:fld id="{973BC00D-352D-4681-8132-8CC5EB9D512D}" type="datetimeFigureOut">
               <a:rPr lang="en-US" smtClean="0"/>
-              <a:t>8/31/2022</a:t>
+              <a:t>9/1/2022</a:t>
             </a:fld>
             <a:endParaRPr lang="en-US"/>
           </a:p>
@@ -7392,7 +7486,7 @@
           <a:p>
             <a:fld id="{973BC00D-352D-4681-8132-8CC5EB9D512D}" type="datetimeFigureOut">
               <a:rPr lang="en-US" smtClean="0"/>
-              <a:t>8/31/2022</a:t>
+              <a:t>9/1/2022</a:t>
             </a:fld>
             <a:endParaRPr lang="en-US"/>
           </a:p>
@@ -8568,7 +8662,7 @@
         </p:nvSpPr>
         <p:spPr>
           <a:xfrm>
-            <a:off x="3174263" y="2732391"/>
+            <a:off x="3174263" y="2756141"/>
             <a:ext cx="1510018" cy="527618"/>
           </a:xfrm>
           <a:prstGeom prst="roundRect">
@@ -8630,8 +8724,8 @@
         </p:nvCxnSpPr>
         <p:spPr>
           <a:xfrm>
-            <a:off x="4684281" y="2996200"/>
-            <a:ext cx="268186" cy="0"/>
+            <a:off x="4684281" y="3019950"/>
+            <a:ext cx="302140" cy="0"/>
           </a:xfrm>
           <a:prstGeom prst="line">
             <a:avLst/>
@@ -8661,7 +8755,7 @@
         </p:nvSpPr>
         <p:spPr>
           <a:xfrm rot="10800000">
-            <a:off x="4974362" y="2859651"/>
+            <a:off x="4974362" y="2847776"/>
             <a:ext cx="293614" cy="320879"/>
           </a:xfrm>
           <a:prstGeom prst="arc">
@@ -10289,7 +10383,7 @@
             </a:avLst>
           </a:prstGeom>
           <a:solidFill>
-            <a:srgbClr val="4472C4"/>
+            <a:srgbClr val="2E75B6"/>
           </a:solidFill>
           <a:ln w="12700" cap="flat" cmpd="sng" algn="ctr">
             <a:solidFill>
@@ -10363,7 +10457,7 @@
             <a:avLst/>
           </a:prstGeom>
           <a:solidFill>
-            <a:srgbClr val="4472C4"/>
+            <a:srgbClr val="2E75B6"/>
           </a:solidFill>
           <a:ln w="12700" cap="flat" cmpd="sng" algn="ctr">
             <a:solidFill>
@@ -11012,7 +11106,7 @@
             </a:avLst>
           </a:prstGeom>
           <a:solidFill>
-            <a:srgbClr val="4472C4"/>
+            <a:srgbClr val="2E75B6"/>
           </a:solidFill>
           <a:ln w="12700" cap="flat" cmpd="sng" algn="ctr">
             <a:solidFill>
@@ -11086,7 +11180,7 @@
             <a:avLst/>
           </a:prstGeom>
           <a:solidFill>
-            <a:srgbClr val="4472C4"/>
+            <a:srgbClr val="2E75B6"/>
           </a:solidFill>
           <a:ln w="12700" cap="flat" cmpd="sng" algn="ctr">
             <a:solidFill>
@@ -11793,19 +11887,7 @@
               <a:rPr lang="en-US" sz="2000" kern="0" dirty="0">
                 <a:latin typeface="Calibri" panose="020F0502020204030204"/>
               </a:rPr>
-              <a:t>.&lt;</a:t>
-            </a:r>
-            <a:r>
-              <a:rPr lang="en-US" sz="2000" i="1" kern="0" dirty="0">
-                <a:latin typeface="Calibri" panose="020F0502020204030204"/>
-              </a:rPr>
-              <a:t>Technology</a:t>
-            </a:r>
-            <a:r>
-              <a:rPr lang="en-US" sz="2000" kern="0" dirty="0">
-                <a:latin typeface="Calibri" panose="020F0502020204030204"/>
-              </a:rPr>
-              <a:t>&gt;</a:t>
+              <a:t>.{Technology}</a:t>
             </a:r>
             <a:endParaRPr lang="en-US" sz="2000" dirty="0"/>
           </a:p>
@@ -11864,7 +11946,7 @@
             </a:avLst>
           </a:prstGeom>
           <a:solidFill>
-            <a:srgbClr val="4472C4"/>
+            <a:srgbClr val="2E75B6"/>
           </a:solidFill>
           <a:ln w="12700" cap="flat" cmpd="sng" algn="ctr">
             <a:solidFill>
@@ -11938,7 +12020,7 @@
             <a:avLst/>
           </a:prstGeom>
           <a:solidFill>
-            <a:srgbClr val="4472C4"/>
+            <a:srgbClr val="2E75B6"/>
           </a:solidFill>
           <a:ln w="12700" cap="flat" cmpd="sng" algn="ctr">
             <a:solidFill>
@@ -12864,7 +12946,7 @@
               <a:avLst/>
             </a:prstGeom>
             <a:solidFill>
-              <a:srgbClr val="4472C4"/>
+              <a:srgbClr val="2E75B6"/>
             </a:solidFill>
             <a:ln w="12700" cap="flat" cmpd="sng" algn="ctr">
               <a:solidFill>
@@ -13163,7 +13245,7 @@
               <a:avLst/>
             </a:prstGeom>
             <a:solidFill>
-              <a:srgbClr val="4472C4"/>
+              <a:srgbClr val="2E75B6"/>
             </a:solidFill>
             <a:ln w="12700" cap="flat" cmpd="sng" algn="ctr">
               <a:solidFill>
@@ -13371,7 +13453,7 @@
               <a:avLst/>
             </a:prstGeom>
             <a:solidFill>
-              <a:srgbClr val="4472C4"/>
+              <a:srgbClr val="2E75B6"/>
             </a:solidFill>
             <a:ln w="12700" cap="flat" cmpd="sng" algn="ctr">
               <a:solidFill>
@@ -13935,6 +14017,455 @@
           <a:chExt cx="0" cy="0"/>
         </a:xfrm>
       </p:grpSpPr>
+      <p:sp>
+        <p:nvSpPr>
+          <p:cNvPr id="2" name="Rectangle 1">
+            <a:extLst>
+              <a:ext uri="{FF2B5EF4-FFF2-40B4-BE49-F238E27FC236}">
+                <a16:creationId xmlns:a16="http://schemas.microsoft.com/office/drawing/2014/main" id="{F52B0BC5-D75C-482F-AAE9-C5CF3A1C0727}"/>
+              </a:ext>
+            </a:extLst>
+          </p:cNvPr>
+          <p:cNvSpPr/>
+          <p:nvPr/>
+        </p:nvSpPr>
+        <p:spPr>
+          <a:xfrm>
+            <a:off x="580767" y="5188555"/>
+            <a:ext cx="3768811" cy="407773"/>
+          </a:xfrm>
+          <a:prstGeom prst="rect">
+            <a:avLst/>
+          </a:prstGeom>
+          <a:solidFill>
+            <a:schemeClr val="accent5">
+              <a:lumMod val="75000"/>
+            </a:schemeClr>
+          </a:solidFill>
+        </p:spPr>
+        <p:style>
+          <a:lnRef idx="2">
+            <a:schemeClr val="accent1">
+              <a:shade val="50000"/>
+            </a:schemeClr>
+          </a:lnRef>
+          <a:fillRef idx="1">
+            <a:schemeClr val="accent1"/>
+          </a:fillRef>
+          <a:effectRef idx="0">
+            <a:schemeClr val="accent1"/>
+          </a:effectRef>
+          <a:fontRef idx="minor">
+            <a:schemeClr val="lt1"/>
+          </a:fontRef>
+        </p:style>
+        <p:txBody>
+          <a:bodyPr rtlCol="0" anchor="ctr"/>
+          <a:lstStyle/>
+          <a:p>
+            <a:pPr algn="ctr"/>
+            <a:r>
+              <a:rPr lang="en-US" sz="1600" dirty="0" err="1">
+                <a:latin typeface="Consolas" panose="020B0609020204030204" pitchFamily="49" charset="0"/>
+              </a:rPr>
+              <a:t>DHI.Services.Provider.</a:t>
+            </a:r>
+            <a:r>
+              <a:rPr lang="en-US" sz="1600" dirty="0" err="1">
+                <a:solidFill>
+                  <a:schemeClr val="accent6">
+                    <a:lumMod val="40000"/>
+                    <a:lumOff val="60000"/>
+                  </a:schemeClr>
+                </a:solidFill>
+                <a:latin typeface="Consolas" panose="020B0609020204030204" pitchFamily="49" charset="0"/>
+              </a:rPr>
+              <a:t>MIKECore</a:t>
+            </a:r>
+            <a:endParaRPr lang="en-US" sz="1600" dirty="0">
+              <a:solidFill>
+                <a:schemeClr val="accent6">
+                  <a:lumMod val="40000"/>
+                  <a:lumOff val="60000"/>
+                </a:schemeClr>
+              </a:solidFill>
+              <a:latin typeface="Consolas" panose="020B0609020204030204" pitchFamily="49" charset="0"/>
+            </a:endParaRPr>
+          </a:p>
+        </p:txBody>
+      </p:sp>
+      <p:sp>
+        <p:nvSpPr>
+          <p:cNvPr id="4" name="Rectangle 3">
+            <a:extLst>
+              <a:ext uri="{FF2B5EF4-FFF2-40B4-BE49-F238E27FC236}">
+                <a16:creationId xmlns:a16="http://schemas.microsoft.com/office/drawing/2014/main" id="{DE1FE167-7930-4F44-82BF-AC603ABCDDB8}"/>
+              </a:ext>
+            </a:extLst>
+          </p:cNvPr>
+          <p:cNvSpPr/>
+          <p:nvPr/>
+        </p:nvSpPr>
+        <p:spPr>
+          <a:xfrm>
+            <a:off x="4159559" y="5868176"/>
+            <a:ext cx="3872881" cy="407773"/>
+          </a:xfrm>
+          <a:prstGeom prst="rect">
+            <a:avLst/>
+          </a:prstGeom>
+          <a:solidFill>
+            <a:schemeClr val="accent5">
+              <a:lumMod val="75000"/>
+            </a:schemeClr>
+          </a:solidFill>
+        </p:spPr>
+        <p:style>
+          <a:lnRef idx="2">
+            <a:schemeClr val="accent1">
+              <a:shade val="50000"/>
+            </a:schemeClr>
+          </a:lnRef>
+          <a:fillRef idx="1">
+            <a:schemeClr val="accent1"/>
+          </a:fillRef>
+          <a:effectRef idx="0">
+            <a:schemeClr val="accent1"/>
+          </a:effectRef>
+          <a:fontRef idx="minor">
+            <a:schemeClr val="lt1"/>
+          </a:fontRef>
+        </p:style>
+        <p:txBody>
+          <a:bodyPr rtlCol="0" anchor="ctr"/>
+          <a:lstStyle/>
+          <a:p>
+            <a:pPr algn="ctr"/>
+            <a:r>
+              <a:rPr lang="en-US" sz="1600" dirty="0" err="1">
+                <a:latin typeface="Consolas" panose="020B0609020204030204" pitchFamily="49" charset="0"/>
+              </a:rPr>
+              <a:t>DHI.Services.Provider.</a:t>
+            </a:r>
+            <a:r>
+              <a:rPr lang="en-US" sz="1600" dirty="0" err="1">
+                <a:solidFill>
+                  <a:schemeClr val="accent6">
+                    <a:lumMod val="40000"/>
+                    <a:lumOff val="60000"/>
+                  </a:schemeClr>
+                </a:solidFill>
+                <a:latin typeface="Consolas" panose="020B0609020204030204" pitchFamily="49" charset="0"/>
+              </a:rPr>
+              <a:t>PostgreSQL</a:t>
+            </a:r>
+            <a:endParaRPr lang="en-US" sz="1600" dirty="0">
+              <a:solidFill>
+                <a:schemeClr val="accent6">
+                  <a:lumMod val="40000"/>
+                  <a:lumOff val="60000"/>
+                </a:schemeClr>
+              </a:solidFill>
+              <a:latin typeface="Consolas" panose="020B0609020204030204" pitchFamily="49" charset="0"/>
+            </a:endParaRPr>
+          </a:p>
+        </p:txBody>
+      </p:sp>
+      <p:sp>
+        <p:nvSpPr>
+          <p:cNvPr id="5" name="Rectangle 4">
+            <a:extLst>
+              <a:ext uri="{FF2B5EF4-FFF2-40B4-BE49-F238E27FC236}">
+                <a16:creationId xmlns:a16="http://schemas.microsoft.com/office/drawing/2014/main" id="{ECB39E46-263B-4F74-BF11-6B342D9857A4}"/>
+              </a:ext>
+            </a:extLst>
+          </p:cNvPr>
+          <p:cNvSpPr/>
+          <p:nvPr/>
+        </p:nvSpPr>
+        <p:spPr>
+          <a:xfrm>
+            <a:off x="7750703" y="5157662"/>
+            <a:ext cx="3872881" cy="407773"/>
+          </a:xfrm>
+          <a:prstGeom prst="rect">
+            <a:avLst/>
+          </a:prstGeom>
+          <a:solidFill>
+            <a:schemeClr val="accent5">
+              <a:lumMod val="75000"/>
+            </a:schemeClr>
+          </a:solidFill>
+        </p:spPr>
+        <p:style>
+          <a:lnRef idx="2">
+            <a:schemeClr val="accent1">
+              <a:shade val="50000"/>
+            </a:schemeClr>
+          </a:lnRef>
+          <a:fillRef idx="1">
+            <a:schemeClr val="accent1"/>
+          </a:fillRef>
+          <a:effectRef idx="0">
+            <a:schemeClr val="accent1"/>
+          </a:effectRef>
+          <a:fontRef idx="minor">
+            <a:schemeClr val="lt1"/>
+          </a:fontRef>
+        </p:style>
+        <p:txBody>
+          <a:bodyPr rtlCol="0" anchor="ctr"/>
+          <a:lstStyle/>
+          <a:p>
+            <a:pPr algn="ctr"/>
+            <a:r>
+              <a:rPr lang="en-US" sz="1600" dirty="0" err="1">
+                <a:latin typeface="Consolas" panose="020B0609020204030204" pitchFamily="49" charset="0"/>
+              </a:rPr>
+              <a:t>DHI.Services.Provider.</a:t>
+            </a:r>
+            <a:r>
+              <a:rPr lang="en-US" sz="1600" dirty="0" err="1">
+                <a:solidFill>
+                  <a:schemeClr val="accent6">
+                    <a:lumMod val="40000"/>
+                    <a:lumOff val="60000"/>
+                  </a:schemeClr>
+                </a:solidFill>
+                <a:latin typeface="Consolas" panose="020B0609020204030204" pitchFamily="49" charset="0"/>
+              </a:rPr>
+              <a:t>MIKECloud</a:t>
+            </a:r>
+            <a:endParaRPr lang="en-US" sz="1600" dirty="0">
+              <a:solidFill>
+                <a:schemeClr val="accent6">
+                  <a:lumMod val="40000"/>
+                  <a:lumOff val="60000"/>
+                </a:schemeClr>
+              </a:solidFill>
+              <a:latin typeface="Consolas" panose="020B0609020204030204" pitchFamily="49" charset="0"/>
+            </a:endParaRPr>
+          </a:p>
+        </p:txBody>
+      </p:sp>
+      <p:pic>
+        <p:nvPicPr>
+          <p:cNvPr id="3" name="Picture 2">
+            <a:extLst>
+              <a:ext uri="{FF2B5EF4-FFF2-40B4-BE49-F238E27FC236}">
+                <a16:creationId xmlns:a16="http://schemas.microsoft.com/office/drawing/2014/main" id="{52A97A43-AD5A-77D3-8E86-8A4E19237673}"/>
+              </a:ext>
+            </a:extLst>
+          </p:cNvPr>
+          <p:cNvPicPr>
+            <a:picLocks noChangeAspect="1"/>
+          </p:cNvPicPr>
+          <p:nvPr/>
+        </p:nvPicPr>
+        <p:blipFill>
+          <a:blip r:embed="rId3"/>
+          <a:stretch>
+            <a:fillRect/>
+          </a:stretch>
+        </p:blipFill>
+        <p:spPr>
+          <a:xfrm>
+            <a:off x="3685602" y="783385"/>
+            <a:ext cx="4820794" cy="4788000"/>
+          </a:xfrm>
+          <a:prstGeom prst="rect">
+            <a:avLst/>
+          </a:prstGeom>
+        </p:spPr>
+      </p:pic>
+    </p:spTree>
+    <p:extLst>
+      <p:ext uri="{BB962C8B-B14F-4D97-AF65-F5344CB8AC3E}">
+        <p14:creationId xmlns:p14="http://schemas.microsoft.com/office/powerpoint/2010/main" val="2897928905"/>
+      </p:ext>
+    </p:extLst>
+  </p:cSld>
+  <p:clrMapOvr>
+    <a:masterClrMapping/>
+  </p:clrMapOvr>
+  <p:timing>
+    <p:tnLst>
+      <p:par>
+        <p:cTn id="1" dur="indefinite" restart="never" nodeType="tmRoot">
+          <p:childTnLst>
+            <p:seq concurrent="1" nextAc="seek">
+              <p:cTn id="2" dur="indefinite" nodeType="mainSeq">
+                <p:childTnLst>
+                  <p:par>
+                    <p:cTn id="3" fill="hold">
+                      <p:stCondLst>
+                        <p:cond delay="indefinite"/>
+                      </p:stCondLst>
+                      <p:childTnLst>
+                        <p:par>
+                          <p:cTn id="4" fill="hold">
+                            <p:stCondLst>
+                              <p:cond delay="0"/>
+                            </p:stCondLst>
+                            <p:childTnLst>
+                              <p:par>
+                                <p:cTn id="5" presetID="10" presetClass="entr" presetSubtype="0" fill="hold" grpId="0" nodeType="clickEffect">
+                                  <p:stCondLst>
+                                    <p:cond delay="0"/>
+                                  </p:stCondLst>
+                                  <p:childTnLst>
+                                    <p:set>
+                                      <p:cBhvr>
+                                        <p:cTn id="6" dur="1" fill="hold">
+                                          <p:stCondLst>
+                                            <p:cond delay="0"/>
+                                          </p:stCondLst>
+                                        </p:cTn>
+                                        <p:tgtEl>
+                                          <p:spTgt spid="2"/>
+                                        </p:tgtEl>
+                                        <p:attrNameLst>
+                                          <p:attrName>style.visibility</p:attrName>
+                                        </p:attrNameLst>
+                                      </p:cBhvr>
+                                      <p:to>
+                                        <p:strVal val="visible"/>
+                                      </p:to>
+                                    </p:set>
+                                    <p:animEffect transition="in" filter="fade">
+                                      <p:cBhvr>
+                                        <p:cTn id="7" dur="500"/>
+                                        <p:tgtEl>
+                                          <p:spTgt spid="2"/>
+                                        </p:tgtEl>
+                                      </p:cBhvr>
+                                    </p:animEffect>
+                                  </p:childTnLst>
+                                </p:cTn>
+                              </p:par>
+                              <p:par>
+                                <p:cTn id="8" presetID="10" presetClass="entr" presetSubtype="0" fill="hold" grpId="0" nodeType="withEffect">
+                                  <p:stCondLst>
+                                    <p:cond delay="0"/>
+                                  </p:stCondLst>
+                                  <p:childTnLst>
+                                    <p:set>
+                                      <p:cBhvr>
+                                        <p:cTn id="9" dur="1" fill="hold">
+                                          <p:stCondLst>
+                                            <p:cond delay="0"/>
+                                          </p:stCondLst>
+                                        </p:cTn>
+                                        <p:tgtEl>
+                                          <p:spTgt spid="4"/>
+                                        </p:tgtEl>
+                                        <p:attrNameLst>
+                                          <p:attrName>style.visibility</p:attrName>
+                                        </p:attrNameLst>
+                                      </p:cBhvr>
+                                      <p:to>
+                                        <p:strVal val="visible"/>
+                                      </p:to>
+                                    </p:set>
+                                    <p:animEffect transition="in" filter="fade">
+                                      <p:cBhvr>
+                                        <p:cTn id="10" dur="500"/>
+                                        <p:tgtEl>
+                                          <p:spTgt spid="4"/>
+                                        </p:tgtEl>
+                                      </p:cBhvr>
+                                    </p:animEffect>
+                                  </p:childTnLst>
+                                </p:cTn>
+                              </p:par>
+                              <p:par>
+                                <p:cTn id="11" presetID="10" presetClass="entr" presetSubtype="0" fill="hold" grpId="0" nodeType="withEffect">
+                                  <p:stCondLst>
+                                    <p:cond delay="0"/>
+                                  </p:stCondLst>
+                                  <p:childTnLst>
+                                    <p:set>
+                                      <p:cBhvr>
+                                        <p:cTn id="12" dur="1" fill="hold">
+                                          <p:stCondLst>
+                                            <p:cond delay="0"/>
+                                          </p:stCondLst>
+                                        </p:cTn>
+                                        <p:tgtEl>
+                                          <p:spTgt spid="5"/>
+                                        </p:tgtEl>
+                                        <p:attrNameLst>
+                                          <p:attrName>style.visibility</p:attrName>
+                                        </p:attrNameLst>
+                                      </p:cBhvr>
+                                      <p:to>
+                                        <p:strVal val="visible"/>
+                                      </p:to>
+                                    </p:set>
+                                    <p:animEffect transition="in" filter="fade">
+                                      <p:cBhvr>
+                                        <p:cTn id="13" dur="500"/>
+                                        <p:tgtEl>
+                                          <p:spTgt spid="5"/>
+                                        </p:tgtEl>
+                                      </p:cBhvr>
+                                    </p:animEffect>
+                                  </p:childTnLst>
+                                </p:cTn>
+                              </p:par>
+                            </p:childTnLst>
+                          </p:cTn>
+                        </p:par>
+                      </p:childTnLst>
+                    </p:cTn>
+                  </p:par>
+                </p:childTnLst>
+              </p:cTn>
+              <p:prevCondLst>
+                <p:cond evt="onPrev" delay="0">
+                  <p:tgtEl>
+                    <p:sldTgt/>
+                  </p:tgtEl>
+                </p:cond>
+              </p:prevCondLst>
+              <p:nextCondLst>
+                <p:cond evt="onNext" delay="0">
+                  <p:tgtEl>
+                    <p:sldTgt/>
+                  </p:tgtEl>
+                </p:cond>
+              </p:nextCondLst>
+            </p:seq>
+          </p:childTnLst>
+        </p:cTn>
+      </p:par>
+    </p:tnLst>
+    <p:bldLst>
+      <p:bldP spid="2" grpId="0" animBg="1"/>
+      <p:bldP spid="4" grpId="0" animBg="1"/>
+      <p:bldP spid="5" grpId="0" animBg="1"/>
+    </p:bldLst>
+  </p:timing>
+</p:sld>
+</file>
+
+<file path=ppt/slides/slide18.xml><?xml version="1.0" encoding="utf-8"?>
+<p:sld xmlns:a="http://schemas.openxmlformats.org/drawingml/2006/main" xmlns:r="http://schemas.openxmlformats.org/officeDocument/2006/relationships" xmlns:p="http://schemas.openxmlformats.org/presentationml/2006/main">
+  <p:cSld>
+    <p:spTree>
+      <p:nvGrpSpPr>
+        <p:cNvPr id="1" name=""/>
+        <p:cNvGrpSpPr/>
+        <p:nvPr/>
+      </p:nvGrpSpPr>
+      <p:grpSpPr>
+        <a:xfrm>
+          <a:off x="0" y="0"/>
+          <a:ext cx="0" cy="0"/>
+          <a:chOff x="0" y="0"/>
+          <a:chExt cx="0" cy="0"/>
+        </a:xfrm>
+      </p:grpSpPr>
       <p:pic>
         <p:nvPicPr>
           <p:cNvPr id="3" name="Picture 2">
@@ -13979,8 +14510,8 @@
         </p:nvSpPr>
         <p:spPr>
           <a:xfrm>
-            <a:off x="3535614" y="560312"/>
-            <a:ext cx="5120772" cy="646331"/>
+            <a:off x="3112913" y="567104"/>
+            <a:ext cx="6249654" cy="646331"/>
           </a:xfrm>
           <a:prstGeom prst="rect">
             <a:avLst/>
@@ -13996,7 +14527,7 @@
             <a:pPr algn="ctr"/>
             <a:r>
               <a:rPr lang="en-US" sz="3600" dirty="0"/>
-              <a:t>Provider NuGet Packages</a:t>
+              <a:t>Providers - NuGet Packages</a:t>
             </a:r>
           </a:p>
         </p:txBody>
@@ -14131,7 +14662,7 @@
 </p:sld>
 </file>
 
-<file path=ppt/slides/slide18.xml><?xml version="1.0" encoding="utf-8"?>
+<file path=ppt/slides/slide19.xml><?xml version="1.0" encoding="utf-8"?>
 <p:sld xmlns:a="http://schemas.openxmlformats.org/drawingml/2006/main" xmlns:r="http://schemas.openxmlformats.org/officeDocument/2006/relationships" xmlns:p="http://schemas.openxmlformats.org/presentationml/2006/main">
   <p:cSld>
     <p:spTree>
@@ -14244,102 +14775,6 @@
     <p:extLst>
       <p:ext uri="{BB962C8B-B14F-4D97-AF65-F5344CB8AC3E}">
         <p14:creationId xmlns:p14="http://schemas.microsoft.com/office/powerpoint/2010/main" val="517340440"/>
-      </p:ext>
-    </p:extLst>
-  </p:cSld>
-  <p:clrMapOvr>
-    <a:masterClrMapping/>
-  </p:clrMapOvr>
-</p:sld>
-</file>
-
-<file path=ppt/slides/slide19.xml><?xml version="1.0" encoding="utf-8"?>
-<p:sld xmlns:a="http://schemas.openxmlformats.org/drawingml/2006/main" xmlns:r="http://schemas.openxmlformats.org/officeDocument/2006/relationships" xmlns:p="http://schemas.openxmlformats.org/presentationml/2006/main">
-  <p:cSld>
-    <p:spTree>
-      <p:nvGrpSpPr>
-        <p:cNvPr id="1" name=""/>
-        <p:cNvGrpSpPr/>
-        <p:nvPr/>
-      </p:nvGrpSpPr>
-      <p:grpSpPr>
-        <a:xfrm>
-          <a:off x="0" y="0"/>
-          <a:ext cx="0" cy="0"/>
-          <a:chOff x="0" y="0"/>
-          <a:chExt cx="0" cy="0"/>
-        </a:xfrm>
-      </p:grpSpPr>
-      <p:sp>
-        <p:nvSpPr>
-          <p:cNvPr id="4" name="TextBox 3">
-            <a:extLst>
-              <a:ext uri="{FF2B5EF4-FFF2-40B4-BE49-F238E27FC236}">
-                <a16:creationId xmlns:a16="http://schemas.microsoft.com/office/drawing/2014/main" id="{5455FC8C-C151-C972-85C1-0A121493579D}"/>
-              </a:ext>
-            </a:extLst>
-          </p:cNvPr>
-          <p:cNvSpPr txBox="1"/>
-          <p:nvPr/>
-        </p:nvSpPr>
-        <p:spPr>
-          <a:xfrm>
-            <a:off x="3370726" y="904560"/>
-            <a:ext cx="4613638" cy="646331"/>
-          </a:xfrm>
-          <a:prstGeom prst="rect">
-            <a:avLst/>
-          </a:prstGeom>
-          <a:noFill/>
-        </p:spPr>
-        <p:txBody>
-          <a:bodyPr wrap="square" rtlCol="0">
-            <a:spAutoFit/>
-          </a:bodyPr>
-          <a:lstStyle/>
-          <a:p>
-            <a:pPr algn="ctr"/>
-            <a:r>
-              <a:rPr lang="en-US" sz="3600" dirty="0"/>
-              <a:t>Dependency Injection</a:t>
-            </a:r>
-          </a:p>
-        </p:txBody>
-      </p:sp>
-      <p:pic>
-        <p:nvPicPr>
-          <p:cNvPr id="3" name="Picture 2">
-            <a:extLst>
-              <a:ext uri="{FF2B5EF4-FFF2-40B4-BE49-F238E27FC236}">
-                <a16:creationId xmlns:a16="http://schemas.microsoft.com/office/drawing/2014/main" id="{60B7E89D-DF46-2344-3B16-BB7B284C555B}"/>
-              </a:ext>
-            </a:extLst>
-          </p:cNvPr>
-          <p:cNvPicPr>
-            <a:picLocks noChangeAspect="1"/>
-          </p:cNvPicPr>
-          <p:nvPr/>
-        </p:nvPicPr>
-        <p:blipFill>
-          <a:blip r:embed="rId3"/>
-          <a:stretch>
-            <a:fillRect/>
-          </a:stretch>
-        </p:blipFill>
-        <p:spPr>
-          <a:xfrm>
-            <a:off x="982133" y="1790635"/>
-            <a:ext cx="10227733" cy="3276730"/>
-          </a:xfrm>
-          <a:prstGeom prst="rect">
-            <a:avLst/>
-          </a:prstGeom>
-        </p:spPr>
-      </p:pic>
-    </p:spTree>
-    <p:extLst>
-      <p:ext uri="{BB962C8B-B14F-4D97-AF65-F5344CB8AC3E}">
-        <p14:creationId xmlns:p14="http://schemas.microsoft.com/office/powerpoint/2010/main" val="229231406"/>
       </p:ext>
     </p:extLst>
   </p:cSld>
@@ -16301,6 +16736,102 @@
 </file>
 
 <file path=ppt/slides/slide20.xml><?xml version="1.0" encoding="utf-8"?>
+<p:sld xmlns:a="http://schemas.openxmlformats.org/drawingml/2006/main" xmlns:r="http://schemas.openxmlformats.org/officeDocument/2006/relationships" xmlns:p="http://schemas.openxmlformats.org/presentationml/2006/main">
+  <p:cSld>
+    <p:spTree>
+      <p:nvGrpSpPr>
+        <p:cNvPr id="1" name=""/>
+        <p:cNvGrpSpPr/>
+        <p:nvPr/>
+      </p:nvGrpSpPr>
+      <p:grpSpPr>
+        <a:xfrm>
+          <a:off x="0" y="0"/>
+          <a:ext cx="0" cy="0"/>
+          <a:chOff x="0" y="0"/>
+          <a:chExt cx="0" cy="0"/>
+        </a:xfrm>
+      </p:grpSpPr>
+      <p:sp>
+        <p:nvSpPr>
+          <p:cNvPr id="4" name="TextBox 3">
+            <a:extLst>
+              <a:ext uri="{FF2B5EF4-FFF2-40B4-BE49-F238E27FC236}">
+                <a16:creationId xmlns:a16="http://schemas.microsoft.com/office/drawing/2014/main" id="{5455FC8C-C151-C972-85C1-0A121493579D}"/>
+              </a:ext>
+            </a:extLst>
+          </p:cNvPr>
+          <p:cNvSpPr txBox="1"/>
+          <p:nvPr/>
+        </p:nvSpPr>
+        <p:spPr>
+          <a:xfrm>
+            <a:off x="3370726" y="904560"/>
+            <a:ext cx="4613638" cy="646331"/>
+          </a:xfrm>
+          <a:prstGeom prst="rect">
+            <a:avLst/>
+          </a:prstGeom>
+          <a:noFill/>
+        </p:spPr>
+        <p:txBody>
+          <a:bodyPr wrap="square" rtlCol="0">
+            <a:spAutoFit/>
+          </a:bodyPr>
+          <a:lstStyle/>
+          <a:p>
+            <a:pPr algn="ctr"/>
+            <a:r>
+              <a:rPr lang="en-US" sz="3600" dirty="0"/>
+              <a:t>Dependency Injection</a:t>
+            </a:r>
+          </a:p>
+        </p:txBody>
+      </p:sp>
+      <p:pic>
+        <p:nvPicPr>
+          <p:cNvPr id="3" name="Picture 2">
+            <a:extLst>
+              <a:ext uri="{FF2B5EF4-FFF2-40B4-BE49-F238E27FC236}">
+                <a16:creationId xmlns:a16="http://schemas.microsoft.com/office/drawing/2014/main" id="{60B7E89D-DF46-2344-3B16-BB7B284C555B}"/>
+              </a:ext>
+            </a:extLst>
+          </p:cNvPr>
+          <p:cNvPicPr>
+            <a:picLocks noChangeAspect="1"/>
+          </p:cNvPicPr>
+          <p:nvPr/>
+        </p:nvPicPr>
+        <p:blipFill>
+          <a:blip r:embed="rId3"/>
+          <a:stretch>
+            <a:fillRect/>
+          </a:stretch>
+        </p:blipFill>
+        <p:spPr>
+          <a:xfrm>
+            <a:off x="982133" y="1790635"/>
+            <a:ext cx="10227733" cy="3276730"/>
+          </a:xfrm>
+          <a:prstGeom prst="rect">
+            <a:avLst/>
+          </a:prstGeom>
+        </p:spPr>
+      </p:pic>
+    </p:spTree>
+    <p:extLst>
+      <p:ext uri="{BB962C8B-B14F-4D97-AF65-F5344CB8AC3E}">
+        <p14:creationId xmlns:p14="http://schemas.microsoft.com/office/powerpoint/2010/main" val="229231406"/>
+      </p:ext>
+    </p:extLst>
+  </p:cSld>
+  <p:clrMapOvr>
+    <a:masterClrMapping/>
+  </p:clrMapOvr>
+</p:sld>
+</file>
+
+<file path=ppt/slides/slide21.xml><?xml version="1.0" encoding="utf-8"?>
 <p:sld xmlns:a="http://schemas.openxmlformats.org/drawingml/2006/main" xmlns:r="http://schemas.openxmlformats.org/officeDocument/2006/relationships" xmlns:p="http://schemas.openxmlformats.org/presentationml/2006/main">
   <p:cSld>
     <p:spTree>
@@ -16976,7 +17507,7 @@
 </p:sld>
 </file>
 
-<file path=ppt/slides/slide21.xml><?xml version="1.0" encoding="utf-8"?>
+<file path=ppt/slides/slide22.xml><?xml version="1.0" encoding="utf-8"?>
 <p:sld xmlns:a="http://schemas.openxmlformats.org/drawingml/2006/main" xmlns:r="http://schemas.openxmlformats.org/officeDocument/2006/relationships" xmlns:p="http://schemas.openxmlformats.org/presentationml/2006/main">
   <p:cSld>
     <p:spTree>
@@ -17089,7 +17620,7 @@
 </p:sld>
 </file>
 
-<file path=ppt/slides/slide22.xml><?xml version="1.0" encoding="utf-8"?>
+<file path=ppt/slides/slide23.xml><?xml version="1.0" encoding="utf-8"?>
 <p:sld xmlns:a="http://schemas.openxmlformats.org/drawingml/2006/main" xmlns:r="http://schemas.openxmlformats.org/officeDocument/2006/relationships" xmlns:p="http://schemas.openxmlformats.org/presentationml/2006/main">
   <p:cSld>
     <p:spTree>
@@ -17548,7 +18079,7 @@
 </p:sld>
 </file>
 
-<file path=ppt/slides/slide23.xml><?xml version="1.0" encoding="utf-8"?>
+<file path=ppt/slides/slide24.xml><?xml version="1.0" encoding="utf-8"?>
 <p:sld xmlns:a="http://schemas.openxmlformats.org/drawingml/2006/main" xmlns:r="http://schemas.openxmlformats.org/officeDocument/2006/relationships" xmlns:p="http://schemas.openxmlformats.org/presentationml/2006/main">
   <p:cSld>
     <p:spTree>
@@ -17776,7 +18307,7 @@
 </p:sld>
 </file>
 
-<file path=ppt/slides/slide24.xml><?xml version="1.0" encoding="utf-8"?>
+<file path=ppt/slides/slide25.xml><?xml version="1.0" encoding="utf-8"?>
 <p:sld xmlns:a="http://schemas.openxmlformats.org/drawingml/2006/main" xmlns:r="http://schemas.openxmlformats.org/officeDocument/2006/relationships" xmlns:p="http://schemas.openxmlformats.org/presentationml/2006/main">
   <p:cSld>
     <p:spTree>
@@ -18148,7 +18679,7 @@
 </p:sld>
 </file>
 
-<file path=ppt/slides/slide25.xml><?xml version="1.0" encoding="utf-8"?>
+<file path=ppt/slides/slide26.xml><?xml version="1.0" encoding="utf-8"?>
 <p:sld xmlns:a="http://schemas.openxmlformats.org/drawingml/2006/main" xmlns:r="http://schemas.openxmlformats.org/officeDocument/2006/relationships" xmlns:p="http://schemas.openxmlformats.org/presentationml/2006/main">
   <p:cSld>
     <p:spTree>
@@ -18977,7 +19508,7 @@
 </p:sld>
 </file>
 
-<file path=ppt/slides/slide26.xml><?xml version="1.0" encoding="utf-8"?>
+<file path=ppt/slides/slide27.xml><?xml version="1.0" encoding="utf-8"?>
 <p:sld xmlns:a="http://schemas.openxmlformats.org/drawingml/2006/main" xmlns:r="http://schemas.openxmlformats.org/officeDocument/2006/relationships" xmlns:p="http://schemas.openxmlformats.org/presentationml/2006/main">
   <p:cSld>
     <p:spTree>
@@ -19037,7 +19568,7 @@
 </p:sld>
 </file>
 
-<file path=ppt/slides/slide27.xml><?xml version="1.0" encoding="utf-8"?>
+<file path=ppt/slides/slide28.xml><?xml version="1.0" encoding="utf-8"?>
 <p:sld xmlns:a="http://schemas.openxmlformats.org/drawingml/2006/main" xmlns:r="http://schemas.openxmlformats.org/officeDocument/2006/relationships" xmlns:p="http://schemas.openxmlformats.org/presentationml/2006/main">
   <p:cSld>
     <p:spTree>
@@ -19159,7 +19690,7 @@
 </p:sld>
 </file>
 
-<file path=ppt/slides/slide28.xml><?xml version="1.0" encoding="utf-8"?>
+<file path=ppt/slides/slide29.xml><?xml version="1.0" encoding="utf-8"?>
 <p:sld xmlns:a="http://schemas.openxmlformats.org/drawingml/2006/main" xmlns:r="http://schemas.openxmlformats.org/officeDocument/2006/relationships" xmlns:p="http://schemas.openxmlformats.org/presentationml/2006/main">
   <p:cSld>
     <p:spTree>
@@ -19592,7 +20123,152 @@
 </p:sld>
 </file>
 
-<file path=ppt/slides/slide29.xml><?xml version="1.0" encoding="utf-8"?>
+<file path=ppt/slides/slide3.xml><?xml version="1.0" encoding="utf-8"?>
+<p:sld xmlns:a="http://schemas.openxmlformats.org/drawingml/2006/main" xmlns:r="http://schemas.openxmlformats.org/officeDocument/2006/relationships" xmlns:p="http://schemas.openxmlformats.org/presentationml/2006/main">
+  <p:cSld>
+    <p:spTree>
+      <p:nvGrpSpPr>
+        <p:cNvPr id="1" name=""/>
+        <p:cNvGrpSpPr/>
+        <p:nvPr/>
+      </p:nvGrpSpPr>
+      <p:grpSpPr>
+        <a:xfrm>
+          <a:off x="0" y="0"/>
+          <a:ext cx="0" cy="0"/>
+          <a:chOff x="0" y="0"/>
+          <a:chExt cx="0" cy="0"/>
+        </a:xfrm>
+      </p:grpSpPr>
+      <p:sp>
+        <p:nvSpPr>
+          <p:cNvPr id="3" name="Content Placeholder 2">
+            <a:extLst>
+              <a:ext uri="{FF2B5EF4-FFF2-40B4-BE49-F238E27FC236}">
+                <a16:creationId xmlns:a16="http://schemas.microsoft.com/office/drawing/2014/main" id="{1BF2A43D-DF10-14A8-A20C-5FB897A3D7EC}"/>
+              </a:ext>
+            </a:extLst>
+          </p:cNvPr>
+          <p:cNvSpPr>
+            <a:spLocks noGrp="1"/>
+          </p:cNvSpPr>
+          <p:nvPr>
+            <p:ph idx="1"/>
+          </p:nvPr>
+        </p:nvSpPr>
+        <p:spPr>
+          <a:xfrm>
+            <a:off x="3614940" y="2601156"/>
+            <a:ext cx="6512040" cy="3254375"/>
+          </a:xfrm>
+        </p:spPr>
+        <p:txBody>
+          <a:bodyPr>
+            <a:normAutofit/>
+          </a:bodyPr>
+          <a:lstStyle/>
+          <a:p>
+            <a:r>
+              <a:rPr lang="en-US" sz="3600" dirty="0"/>
+              <a:t>Service Types</a:t>
+            </a:r>
+          </a:p>
+          <a:p>
+            <a:r>
+              <a:rPr lang="en-US" sz="3600" dirty="0"/>
+              <a:t>Plugins &amp; Providers</a:t>
+            </a:r>
+          </a:p>
+          <a:p>
+            <a:r>
+              <a:rPr lang="en-US" sz="3600" dirty="0"/>
+              <a:t>Service Configuration</a:t>
+            </a:r>
+          </a:p>
+          <a:p>
+            <a:r>
+              <a:rPr lang="en-US" sz="3600" dirty="0"/>
+              <a:t>Securing the Application</a:t>
+            </a:r>
+          </a:p>
+          <a:p>
+            <a:r>
+              <a:rPr lang="en-US" sz="3600" dirty="0"/>
+              <a:t>Demo…</a:t>
+            </a:r>
+          </a:p>
+        </p:txBody>
+      </p:sp>
+      <p:pic>
+        <p:nvPicPr>
+          <p:cNvPr id="4100" name="Picture 4" descr="Agenda - letters written in beautiful boxes on white background Stock  Illustration | Adobe Stock">
+            <a:extLst>
+              <a:ext uri="{FF2B5EF4-FFF2-40B4-BE49-F238E27FC236}">
+                <a16:creationId xmlns:a16="http://schemas.microsoft.com/office/drawing/2014/main" id="{2A21C2AB-5AB7-7BD8-FDED-86C41E95CC81}"/>
+              </a:ext>
+            </a:extLst>
+          </p:cNvPr>
+          <p:cNvPicPr>
+            <a:picLocks noChangeAspect="1" noChangeArrowheads="1"/>
+          </p:cNvPicPr>
+          <p:nvPr/>
+        </p:nvPicPr>
+        <p:blipFill>
+          <a:blip r:embed="rId3">
+            <a:extLst>
+              <a:ext uri="{BEBA8EAE-BF5A-486C-A8C5-ECC9F3942E4B}">
+                <a14:imgProps xmlns:a14="http://schemas.microsoft.com/office/drawing/2010/main">
+                  <a14:imgLayer r:embed="rId4">
+                    <a14:imgEffect>
+                      <a14:saturation sat="33000"/>
+                    </a14:imgEffect>
+                  </a14:imgLayer>
+                </a14:imgProps>
+              </a:ext>
+              <a:ext uri="{28A0092B-C50C-407E-A947-70E740481C1C}">
+                <a14:useLocalDpi xmlns:a14="http://schemas.microsoft.com/office/drawing/2010/main" val="0"/>
+              </a:ext>
+            </a:extLst>
+          </a:blip>
+          <a:srcRect/>
+          <a:stretch>
+            <a:fillRect/>
+          </a:stretch>
+        </p:blipFill>
+        <p:spPr bwMode="auto">
+          <a:xfrm>
+            <a:off x="3130197" y="440267"/>
+            <a:ext cx="5246158" cy="2160889"/>
+          </a:xfrm>
+          <a:prstGeom prst="rect">
+            <a:avLst/>
+          </a:prstGeom>
+          <a:noFill/>
+          <a:extLst>
+            <a:ext uri="{909E8E84-426E-40DD-AFC4-6F175D3DCCD1}">
+              <a14:hiddenFill xmlns:a14="http://schemas.microsoft.com/office/drawing/2010/main">
+                <a:solidFill>
+                  <a:srgbClr val="FFFFFF"/>
+                </a:solidFill>
+              </a14:hiddenFill>
+            </a:ext>
+          </a:extLst>
+        </p:spPr>
+      </p:pic>
+    </p:spTree>
+    <p:extLst>
+      <p:ext uri="{BB962C8B-B14F-4D97-AF65-F5344CB8AC3E}">
+        <p14:creationId xmlns:p14="http://schemas.microsoft.com/office/powerpoint/2010/main" val="1456164604"/>
+      </p:ext>
+    </p:extLst>
+  </p:cSld>
+  <p:clrMapOvr>
+    <a:masterClrMapping/>
+  </p:clrMapOvr>
+</p:sld>
+</file>
+
+<file path=ppt/slides/slide30.xml><?xml version="1.0" encoding="utf-8"?>
 <p:sld xmlns:a="http://schemas.openxmlformats.org/drawingml/2006/main" xmlns:r="http://schemas.openxmlformats.org/officeDocument/2006/relationships" xmlns:p="http://schemas.openxmlformats.org/presentationml/2006/main">
   <p:cSld>
     <p:spTree>
@@ -21249,7 +21925,7 @@
 </p:sld>
 </file>
 
-<file path=ppt/slides/slide3.xml><?xml version="1.0" encoding="utf-8"?>
+<file path=ppt/slides/slide31.xml><?xml version="1.0" encoding="utf-8"?>
 <p:sld xmlns:a="http://schemas.openxmlformats.org/drawingml/2006/main" xmlns:r="http://schemas.openxmlformats.org/officeDocument/2006/relationships" xmlns:p="http://schemas.openxmlformats.org/presentationml/2006/main">
   <p:cSld>
     <p:spTree>
@@ -21268,151 +21944,6 @@
       </p:grpSpPr>
       <p:sp>
         <p:nvSpPr>
-          <p:cNvPr id="3" name="Content Placeholder 2">
-            <a:extLst>
-              <a:ext uri="{FF2B5EF4-FFF2-40B4-BE49-F238E27FC236}">
-                <a16:creationId xmlns:a16="http://schemas.microsoft.com/office/drawing/2014/main" id="{1BF2A43D-DF10-14A8-A20C-5FB897A3D7EC}"/>
-              </a:ext>
-            </a:extLst>
-          </p:cNvPr>
-          <p:cNvSpPr>
-            <a:spLocks noGrp="1"/>
-          </p:cNvSpPr>
-          <p:nvPr>
-            <p:ph idx="1"/>
-          </p:nvPr>
-        </p:nvSpPr>
-        <p:spPr>
-          <a:xfrm>
-            <a:off x="3614940" y="2601156"/>
-            <a:ext cx="6512040" cy="3254375"/>
-          </a:xfrm>
-        </p:spPr>
-        <p:txBody>
-          <a:bodyPr>
-            <a:normAutofit/>
-          </a:bodyPr>
-          <a:lstStyle/>
-          <a:p>
-            <a:r>
-              <a:rPr lang="en-US" sz="3600" dirty="0"/>
-              <a:t>Service Types</a:t>
-            </a:r>
-          </a:p>
-          <a:p>
-            <a:r>
-              <a:rPr lang="en-US" sz="3600" dirty="0"/>
-              <a:t>Plugins &amp; Providers</a:t>
-            </a:r>
-          </a:p>
-          <a:p>
-            <a:r>
-              <a:rPr lang="en-US" sz="3600" dirty="0"/>
-              <a:t>Service Configuration</a:t>
-            </a:r>
-          </a:p>
-          <a:p>
-            <a:r>
-              <a:rPr lang="en-US" sz="3600" dirty="0"/>
-              <a:t>Securing the Application</a:t>
-            </a:r>
-          </a:p>
-          <a:p>
-            <a:r>
-              <a:rPr lang="en-US" sz="3600" dirty="0"/>
-              <a:t>Demo…</a:t>
-            </a:r>
-          </a:p>
-        </p:txBody>
-      </p:sp>
-      <p:pic>
-        <p:nvPicPr>
-          <p:cNvPr id="4100" name="Picture 4" descr="Agenda - letters written in beautiful boxes on white background Stock  Illustration | Adobe Stock">
-            <a:extLst>
-              <a:ext uri="{FF2B5EF4-FFF2-40B4-BE49-F238E27FC236}">
-                <a16:creationId xmlns:a16="http://schemas.microsoft.com/office/drawing/2014/main" id="{2A21C2AB-5AB7-7BD8-FDED-86C41E95CC81}"/>
-              </a:ext>
-            </a:extLst>
-          </p:cNvPr>
-          <p:cNvPicPr>
-            <a:picLocks noChangeAspect="1" noChangeArrowheads="1"/>
-          </p:cNvPicPr>
-          <p:nvPr/>
-        </p:nvPicPr>
-        <p:blipFill>
-          <a:blip r:embed="rId3">
-            <a:extLst>
-              <a:ext uri="{BEBA8EAE-BF5A-486C-A8C5-ECC9F3942E4B}">
-                <a14:imgProps xmlns:a14="http://schemas.microsoft.com/office/drawing/2010/main">
-                  <a14:imgLayer r:embed="rId4">
-                    <a14:imgEffect>
-                      <a14:saturation sat="33000"/>
-                    </a14:imgEffect>
-                  </a14:imgLayer>
-                </a14:imgProps>
-              </a:ext>
-              <a:ext uri="{28A0092B-C50C-407E-A947-70E740481C1C}">
-                <a14:useLocalDpi xmlns:a14="http://schemas.microsoft.com/office/drawing/2010/main" val="0"/>
-              </a:ext>
-            </a:extLst>
-          </a:blip>
-          <a:srcRect/>
-          <a:stretch>
-            <a:fillRect/>
-          </a:stretch>
-        </p:blipFill>
-        <p:spPr bwMode="auto">
-          <a:xfrm>
-            <a:off x="3130197" y="440267"/>
-            <a:ext cx="5246158" cy="2160889"/>
-          </a:xfrm>
-          <a:prstGeom prst="rect">
-            <a:avLst/>
-          </a:prstGeom>
-          <a:noFill/>
-          <a:extLst>
-            <a:ext uri="{909E8E84-426E-40DD-AFC4-6F175D3DCCD1}">
-              <a14:hiddenFill xmlns:a14="http://schemas.microsoft.com/office/drawing/2010/main">
-                <a:solidFill>
-                  <a:srgbClr val="FFFFFF"/>
-                </a:solidFill>
-              </a14:hiddenFill>
-            </a:ext>
-          </a:extLst>
-        </p:spPr>
-      </p:pic>
-    </p:spTree>
-    <p:extLst>
-      <p:ext uri="{BB962C8B-B14F-4D97-AF65-F5344CB8AC3E}">
-        <p14:creationId xmlns:p14="http://schemas.microsoft.com/office/powerpoint/2010/main" val="1456164604"/>
-      </p:ext>
-    </p:extLst>
-  </p:cSld>
-  <p:clrMapOvr>
-    <a:masterClrMapping/>
-  </p:clrMapOvr>
-</p:sld>
-</file>
-
-<file path=ppt/slides/slide30.xml><?xml version="1.0" encoding="utf-8"?>
-<p:sld xmlns:a="http://schemas.openxmlformats.org/drawingml/2006/main" xmlns:r="http://schemas.openxmlformats.org/officeDocument/2006/relationships" xmlns:p="http://schemas.openxmlformats.org/presentationml/2006/main">
-  <p:cSld>
-    <p:spTree>
-      <p:nvGrpSpPr>
-        <p:cNvPr id="1" name=""/>
-        <p:cNvGrpSpPr/>
-        <p:nvPr/>
-      </p:nvGrpSpPr>
-      <p:grpSpPr>
-        <a:xfrm>
-          <a:off x="0" y="0"/>
-          <a:ext cx="0" cy="0"/>
-          <a:chOff x="0" y="0"/>
-          <a:chExt cx="0" cy="0"/>
-        </a:xfrm>
-      </p:grpSpPr>
-      <p:sp>
-        <p:nvSpPr>
           <p:cNvPr id="2" name="Title 1">
             <a:extLst>
               <a:ext uri="{FF2B5EF4-FFF2-40B4-BE49-F238E27FC236}">
@@ -21539,7 +22070,7 @@
 </p:sld>
 </file>
 
-<file path=ppt/slides/slide31.xml><?xml version="1.0" encoding="utf-8"?>
+<file path=ppt/slides/slide32.xml><?xml version="1.0" encoding="utf-8"?>
 <p:sld xmlns:a="http://schemas.openxmlformats.org/drawingml/2006/main" xmlns:r="http://schemas.openxmlformats.org/officeDocument/2006/relationships" xmlns:p="http://schemas.openxmlformats.org/presentationml/2006/main">
   <p:cSld>
     <p:spTree>
@@ -21662,7 +22193,7 @@
 </p:sld>
 </file>
 
-<file path=ppt/slides/slide32.xml><?xml version="1.0" encoding="utf-8"?>
+<file path=ppt/slides/slide33.xml><?xml version="1.0" encoding="utf-8"?>
 <p:sld xmlns:a="http://schemas.openxmlformats.org/drawingml/2006/main" xmlns:r="http://schemas.openxmlformats.org/officeDocument/2006/relationships" xmlns:p="http://schemas.openxmlformats.org/presentationml/2006/main">
   <p:cSld>
     <p:spTree>
@@ -21728,7 +22259,7 @@
 </p:sld>
 </file>
 
-<file path=ppt/slides/slide33.xml><?xml version="1.0" encoding="utf-8"?>
+<file path=ppt/slides/slide34.xml><?xml version="1.0" encoding="utf-8"?>
 <p:sld xmlns:a="http://schemas.openxmlformats.org/drawingml/2006/main" xmlns:r="http://schemas.openxmlformats.org/officeDocument/2006/relationships" xmlns:p="http://schemas.openxmlformats.org/presentationml/2006/main" show="0">
   <p:cSld>
     <p:spTree>

--- a/Presentations/DS-course-2-backend-basics.pptx
+++ b/Presentations/DS-course-2-backend-basics.pptx
@@ -5,7 +5,7 @@
     <p:sldMasterId id="2147483648" r:id="rId1"/>
   </p:sldMasterIdLst>
   <p:notesMasterIdLst>
-    <p:notesMasterId r:id="rId36"/>
+    <p:notesMasterId r:id="rId37"/>
   </p:notesMasterIdLst>
   <p:sldIdLst>
     <p:sldId id="257" r:id="rId2"/>
@@ -26,22 +26,23 @@
     <p:sldId id="387" r:id="rId17"/>
     <p:sldId id="337" r:id="rId18"/>
     <p:sldId id="386" r:id="rId19"/>
-    <p:sldId id="355" r:id="rId20"/>
-    <p:sldId id="367" r:id="rId21"/>
-    <p:sldId id="368" r:id="rId22"/>
-    <p:sldId id="369" r:id="rId23"/>
-    <p:sldId id="374" r:id="rId24"/>
-    <p:sldId id="380" r:id="rId25"/>
-    <p:sldId id="375" r:id="rId26"/>
-    <p:sldId id="371" r:id="rId27"/>
-    <p:sldId id="372" r:id="rId28"/>
-    <p:sldId id="356" r:id="rId29"/>
-    <p:sldId id="261" r:id="rId30"/>
-    <p:sldId id="383" r:id="rId31"/>
-    <p:sldId id="267" r:id="rId32"/>
-    <p:sldId id="265" r:id="rId33"/>
-    <p:sldId id="373" r:id="rId34"/>
-    <p:sldId id="384" r:id="rId35"/>
+    <p:sldId id="388" r:id="rId20"/>
+    <p:sldId id="355" r:id="rId21"/>
+    <p:sldId id="367" r:id="rId22"/>
+    <p:sldId id="368" r:id="rId23"/>
+    <p:sldId id="369" r:id="rId24"/>
+    <p:sldId id="374" r:id="rId25"/>
+    <p:sldId id="380" r:id="rId26"/>
+    <p:sldId id="375" r:id="rId27"/>
+    <p:sldId id="371" r:id="rId28"/>
+    <p:sldId id="372" r:id="rId29"/>
+    <p:sldId id="356" r:id="rId30"/>
+    <p:sldId id="261" r:id="rId31"/>
+    <p:sldId id="383" r:id="rId32"/>
+    <p:sldId id="267" r:id="rId33"/>
+    <p:sldId id="265" r:id="rId34"/>
+    <p:sldId id="373" r:id="rId35"/>
+    <p:sldId id="384" r:id="rId36"/>
   </p:sldIdLst>
   <p:sldSz cx="12192000" cy="6858000"/>
   <p:notesSz cx="6858000" cy="9144000"/>
@@ -230,7 +231,7 @@
           <a:p>
             <a:fld id="{16B0145C-99AC-4644-A36E-A4ECBC555925}" type="datetimeFigureOut">
               <a:rPr lang="en-US" smtClean="0"/>
-              <a:t>9/1/2022</a:t>
+              <a:t>9/5/2022</a:t>
             </a:fld>
             <a:endParaRPr lang="en-US"/>
           </a:p>
@@ -2005,7 +2006,7 @@
           <a:p>
             <a:fld id="{A6E96146-6681-4DBF-B085-F659EAF9A4FE}" type="slidenum">
               <a:rPr lang="en-US" smtClean="0"/>
-              <a:t>20</a:t>
+              <a:t>21</a:t>
             </a:fld>
             <a:endParaRPr lang="en-US"/>
           </a:p>
@@ -2144,7 +2145,7 @@
           <a:p>
             <a:fld id="{A6E96146-6681-4DBF-B085-F659EAF9A4FE}" type="slidenum">
               <a:rPr lang="en-US" smtClean="0"/>
-              <a:t>21</a:t>
+              <a:t>22</a:t>
             </a:fld>
             <a:endParaRPr lang="en-US"/>
           </a:p>
@@ -2299,7 +2300,7 @@
           <a:p>
             <a:fld id="{A6E96146-6681-4DBF-B085-F659EAF9A4FE}" type="slidenum">
               <a:rPr lang="en-US" smtClean="0"/>
-              <a:t>22</a:t>
+              <a:t>23</a:t>
             </a:fld>
             <a:endParaRPr lang="en-US"/>
           </a:p>
@@ -2435,7 +2436,7 @@
           <a:p>
             <a:fld id="{A6E96146-6681-4DBF-B085-F659EAF9A4FE}" type="slidenum">
               <a:rPr lang="en-US" smtClean="0"/>
-              <a:t>23</a:t>
+              <a:t>24</a:t>
             </a:fld>
             <a:endParaRPr lang="en-US"/>
           </a:p>
@@ -2629,7 +2630,7 @@
           <a:p>
             <a:r>
               <a:rPr lang="en-US" dirty="0"/>
-              <a:t>No “YOUR CODE” stamp! Unless you write custom controllers, you don’t have to write code like this</a:t>
+              <a:t>No “YOUR CODE” stamp! Unless you write custom controllers (which indeed you can!), you don’t have to write code like this</a:t>
             </a:r>
           </a:p>
           <a:p>
@@ -2657,7 +2658,7 @@
           <a:p>
             <a:fld id="{A6E96146-6681-4DBF-B085-F659EAF9A4FE}" type="slidenum">
               <a:rPr lang="en-US" smtClean="0"/>
-              <a:t>24</a:t>
+              <a:t>25</a:t>
             </a:fld>
             <a:endParaRPr lang="en-US"/>
           </a:p>
@@ -2809,7 +2810,7 @@
           <a:p>
             <a:fld id="{A6E96146-6681-4DBF-B085-F659EAF9A4FE}" type="slidenum">
               <a:rPr lang="en-US" smtClean="0"/>
-              <a:t>25</a:t>
+              <a:t>26</a:t>
             </a:fld>
             <a:endParaRPr lang="en-US"/>
           </a:p>
@@ -3069,7 +3070,7 @@
           <a:p>
             <a:fld id="{A6E96146-6681-4DBF-B085-F659EAF9A4FE}" type="slidenum">
               <a:rPr lang="en-US" smtClean="0"/>
-              <a:t>26</a:t>
+              <a:t>27</a:t>
             </a:fld>
             <a:endParaRPr lang="en-US"/>
           </a:p>
@@ -3161,7 +3162,7 @@
           <a:p>
             <a:fld id="{63C35790-097B-4F4A-AC65-68906F1196B8}" type="slidenum">
               <a:rPr lang="en-US" smtClean="0"/>
-              <a:t>27</a:t>
+              <a:t>28</a:t>
             </a:fld>
             <a:endParaRPr lang="en-US"/>
           </a:p>
@@ -3282,7 +3283,7 @@
           <a:p>
             <a:fld id="{A6E96146-6681-4DBF-B085-F659EAF9A4FE}" type="slidenum">
               <a:rPr lang="en-US" smtClean="0"/>
-              <a:t>29</a:t>
+              <a:t>30</a:t>
             </a:fld>
             <a:endParaRPr lang="en-US"/>
           </a:p>
@@ -3514,7 +3515,7 @@
           <a:p>
             <a:fld id="{63C35790-097B-4F4A-AC65-68906F1196B8}" type="slidenum">
               <a:rPr lang="en-US" smtClean="0"/>
-              <a:t>30</a:t>
+              <a:t>31</a:t>
             </a:fld>
             <a:endParaRPr lang="en-US"/>
           </a:p>
@@ -3601,7 +3602,7 @@
           <a:p>
             <a:fld id="{A6E96146-6681-4DBF-B085-F659EAF9A4FE}" type="slidenum">
               <a:rPr lang="en-US" smtClean="0"/>
-              <a:t>31</a:t>
+              <a:t>32</a:t>
             </a:fld>
             <a:endParaRPr lang="en-US"/>
           </a:p>
@@ -3708,7 +3709,7 @@
           <a:p>
             <a:fld id="{A6E96146-6681-4DBF-B085-F659EAF9A4FE}" type="slidenum">
               <a:rPr lang="en-US" smtClean="0"/>
-              <a:t>32</a:t>
+              <a:t>33</a:t>
             </a:fld>
             <a:endParaRPr lang="en-US"/>
           </a:p>
@@ -3831,7 +3832,7 @@
           <a:p>
             <a:fld id="{63C35790-097B-4F4A-AC65-68906F1196B8}" type="slidenum">
               <a:rPr lang="en-US" smtClean="0"/>
-              <a:t>33</a:t>
+              <a:t>34</a:t>
             </a:fld>
             <a:endParaRPr lang="en-US"/>
           </a:p>
@@ -4836,7 +4837,7 @@
           <a:p>
             <a:fld id="{973BC00D-352D-4681-8132-8CC5EB9D512D}" type="datetimeFigureOut">
               <a:rPr lang="en-US" smtClean="0"/>
-              <a:t>9/1/2022</a:t>
+              <a:t>9/5/2022</a:t>
             </a:fld>
             <a:endParaRPr lang="en-US"/>
           </a:p>
@@ -5034,7 +5035,7 @@
           <a:p>
             <a:fld id="{973BC00D-352D-4681-8132-8CC5EB9D512D}" type="datetimeFigureOut">
               <a:rPr lang="en-US" smtClean="0"/>
-              <a:t>9/1/2022</a:t>
+              <a:t>9/5/2022</a:t>
             </a:fld>
             <a:endParaRPr lang="en-US"/>
           </a:p>
@@ -5242,7 +5243,7 @@
           <a:p>
             <a:fld id="{973BC00D-352D-4681-8132-8CC5EB9D512D}" type="datetimeFigureOut">
               <a:rPr lang="en-US" smtClean="0"/>
-              <a:t>9/1/2022</a:t>
+              <a:t>9/5/2022</a:t>
             </a:fld>
             <a:endParaRPr lang="en-US"/>
           </a:p>
@@ -5440,7 +5441,7 @@
           <a:p>
             <a:fld id="{973BC00D-352D-4681-8132-8CC5EB9D512D}" type="datetimeFigureOut">
               <a:rPr lang="en-US" smtClean="0"/>
-              <a:t>9/1/2022</a:t>
+              <a:t>9/5/2022</a:t>
             </a:fld>
             <a:endParaRPr lang="en-US"/>
           </a:p>
@@ -5715,7 +5716,7 @@
           <a:p>
             <a:fld id="{973BC00D-352D-4681-8132-8CC5EB9D512D}" type="datetimeFigureOut">
               <a:rPr lang="en-US" smtClean="0"/>
-              <a:t>9/1/2022</a:t>
+              <a:t>9/5/2022</a:t>
             </a:fld>
             <a:endParaRPr lang="en-US"/>
           </a:p>
@@ -5980,7 +5981,7 @@
           <a:p>
             <a:fld id="{973BC00D-352D-4681-8132-8CC5EB9D512D}" type="datetimeFigureOut">
               <a:rPr lang="en-US" smtClean="0"/>
-              <a:t>9/1/2022</a:t>
+              <a:t>9/5/2022</a:t>
             </a:fld>
             <a:endParaRPr lang="en-US"/>
           </a:p>
@@ -6392,7 +6393,7 @@
           <a:p>
             <a:fld id="{973BC00D-352D-4681-8132-8CC5EB9D512D}" type="datetimeFigureOut">
               <a:rPr lang="en-US" smtClean="0"/>
-              <a:t>9/1/2022</a:t>
+              <a:t>9/5/2022</a:t>
             </a:fld>
             <a:endParaRPr lang="en-US"/>
           </a:p>
@@ -6533,7 +6534,7 @@
           <a:p>
             <a:fld id="{973BC00D-352D-4681-8132-8CC5EB9D512D}" type="datetimeFigureOut">
               <a:rPr lang="en-US" smtClean="0"/>
-              <a:t>9/1/2022</a:t>
+              <a:t>9/5/2022</a:t>
             </a:fld>
             <a:endParaRPr lang="en-US"/>
           </a:p>
@@ -6646,7 +6647,7 @@
           <a:p>
             <a:fld id="{973BC00D-352D-4681-8132-8CC5EB9D512D}" type="datetimeFigureOut">
               <a:rPr lang="en-US" smtClean="0"/>
-              <a:t>9/1/2022</a:t>
+              <a:t>9/5/2022</a:t>
             </a:fld>
             <a:endParaRPr lang="en-US"/>
           </a:p>
@@ -6957,7 +6958,7 @@
           <a:p>
             <a:fld id="{973BC00D-352D-4681-8132-8CC5EB9D512D}" type="datetimeFigureOut">
               <a:rPr lang="en-US" smtClean="0"/>
-              <a:t>9/1/2022</a:t>
+              <a:t>9/5/2022</a:t>
             </a:fld>
             <a:endParaRPr lang="en-US"/>
           </a:p>
@@ -7245,7 +7246,7 @@
           <a:p>
             <a:fld id="{973BC00D-352D-4681-8132-8CC5EB9D512D}" type="datetimeFigureOut">
               <a:rPr lang="en-US" smtClean="0"/>
-              <a:t>9/1/2022</a:t>
+              <a:t>9/5/2022</a:t>
             </a:fld>
             <a:endParaRPr lang="en-US"/>
           </a:p>
@@ -7486,7 +7487,7 @@
           <a:p>
             <a:fld id="{973BC00D-352D-4681-8132-8CC5EB9D512D}" type="datetimeFigureOut">
               <a:rPr lang="en-US" smtClean="0"/>
-              <a:t>9/1/2022</a:t>
+              <a:t>9/5/2022</a:t>
             </a:fld>
             <a:endParaRPr lang="en-US"/>
           </a:p>
@@ -14679,102 +14680,40 @@
           <a:chExt cx="0" cy="0"/>
         </a:xfrm>
       </p:grpSpPr>
-      <p:sp>
-        <p:nvSpPr>
-          <p:cNvPr id="2" name="TextBox 1">
-            <a:extLst>
-              <a:ext uri="{FF2B5EF4-FFF2-40B4-BE49-F238E27FC236}">
-                <a16:creationId xmlns:a16="http://schemas.microsoft.com/office/drawing/2014/main" id="{2F95C7AD-28A6-6FFA-F6A5-977AB6EDBB6E}"/>
-              </a:ext>
-            </a:extLst>
-          </p:cNvPr>
-          <p:cNvSpPr txBox="1"/>
+      <p:pic>
+        <p:nvPicPr>
+          <p:cNvPr id="3" name="Picture 2">
+            <a:extLst>
+              <a:ext uri="{FF2B5EF4-FFF2-40B4-BE49-F238E27FC236}">
+                <a16:creationId xmlns:a16="http://schemas.microsoft.com/office/drawing/2014/main" id="{98DAF13C-DDE6-2147-5075-539274E5F7FB}"/>
+              </a:ext>
+            </a:extLst>
+          </p:cNvPr>
+          <p:cNvPicPr>
+            <a:picLocks noChangeAspect="1"/>
+          </p:cNvPicPr>
           <p:nvPr/>
-        </p:nvSpPr>
+        </p:nvPicPr>
+        <p:blipFill>
+          <a:blip r:embed="rId2"/>
+          <a:stretch>
+            <a:fillRect/>
+          </a:stretch>
+        </p:blipFill>
         <p:spPr>
           <a:xfrm>
-            <a:off x="3347085" y="3044279"/>
-            <a:ext cx="5497830" cy="769441"/>
+            <a:off x="3491347" y="1208086"/>
+            <a:ext cx="4726370" cy="5311468"/>
           </a:xfrm>
           <a:prstGeom prst="rect">
             <a:avLst/>
           </a:prstGeom>
-          <a:noFill/>
-        </p:spPr>
-        <p:txBody>
-          <a:bodyPr wrap="square" rtlCol="0">
-            <a:spAutoFit/>
-          </a:bodyPr>
-          <a:lstStyle/>
-          <a:p>
-            <a:pPr algn="ctr"/>
-            <a:r>
-              <a:rPr lang="en-US" sz="4400" dirty="0"/>
-              <a:t>Service Configuration</a:t>
-            </a:r>
-          </a:p>
-        </p:txBody>
-      </p:sp>
-      <p:pic>
-        <p:nvPicPr>
-          <p:cNvPr id="3" name="Picture 4" descr="Agenda - letters written in beautiful boxes on white background Stock  Illustration | Adobe Stock">
-            <a:extLst>
-              <a:ext uri="{FF2B5EF4-FFF2-40B4-BE49-F238E27FC236}">
-                <a16:creationId xmlns:a16="http://schemas.microsoft.com/office/drawing/2014/main" id="{190B1203-4944-01C6-82D8-91AB309469C8}"/>
-              </a:ext>
-            </a:extLst>
-          </p:cNvPr>
-          <p:cNvPicPr>
-            <a:picLocks noChangeAspect="1" noChangeArrowheads="1"/>
-          </p:cNvPicPr>
-          <p:nvPr/>
-        </p:nvPicPr>
-        <p:blipFill>
-          <a:blip r:embed="rId2">
-            <a:extLst>
-              <a:ext uri="{BEBA8EAE-BF5A-486C-A8C5-ECC9F3942E4B}">
-                <a14:imgProps xmlns:a14="http://schemas.microsoft.com/office/drawing/2010/main">
-                  <a14:imgLayer r:embed="rId3">
-                    <a14:imgEffect>
-                      <a14:saturation sat="33000"/>
-                    </a14:imgEffect>
-                  </a14:imgLayer>
-                </a14:imgProps>
-              </a:ext>
-              <a:ext uri="{28A0092B-C50C-407E-A947-70E740481C1C}">
-                <a14:useLocalDpi xmlns:a14="http://schemas.microsoft.com/office/drawing/2010/main" val="0"/>
-              </a:ext>
-            </a:extLst>
-          </a:blip>
-          <a:srcRect/>
-          <a:stretch>
-            <a:fillRect/>
-          </a:stretch>
-        </p:blipFill>
-        <p:spPr bwMode="auto">
-          <a:xfrm>
-            <a:off x="580180" y="259964"/>
-            <a:ext cx="2182902" cy="899136"/>
-          </a:xfrm>
-          <a:prstGeom prst="rect">
-            <a:avLst/>
-          </a:prstGeom>
-          <a:noFill/>
-          <a:extLst>
-            <a:ext uri="{909E8E84-426E-40DD-AFC4-6F175D3DCCD1}">
-              <a14:hiddenFill xmlns:a14="http://schemas.microsoft.com/office/drawing/2010/main">
-                <a:solidFill>
-                  <a:srgbClr val="FFFFFF"/>
-                </a:solidFill>
-              </a14:hiddenFill>
-            </a:ext>
-          </a:extLst>
         </p:spPr>
       </p:pic>
     </p:spTree>
     <p:extLst>
       <p:ext uri="{BB962C8B-B14F-4D97-AF65-F5344CB8AC3E}">
-        <p14:creationId xmlns:p14="http://schemas.microsoft.com/office/powerpoint/2010/main" val="517340440"/>
+        <p14:creationId xmlns:p14="http://schemas.microsoft.com/office/powerpoint/2010/main" val="431094039"/>
       </p:ext>
     </p:extLst>
   </p:cSld>
@@ -16754,6 +16693,128 @@
       </p:grpSpPr>
       <p:sp>
         <p:nvSpPr>
+          <p:cNvPr id="2" name="TextBox 1">
+            <a:extLst>
+              <a:ext uri="{FF2B5EF4-FFF2-40B4-BE49-F238E27FC236}">
+                <a16:creationId xmlns:a16="http://schemas.microsoft.com/office/drawing/2014/main" id="{2F95C7AD-28A6-6FFA-F6A5-977AB6EDBB6E}"/>
+              </a:ext>
+            </a:extLst>
+          </p:cNvPr>
+          <p:cNvSpPr txBox="1"/>
+          <p:nvPr/>
+        </p:nvSpPr>
+        <p:spPr>
+          <a:xfrm>
+            <a:off x="3347085" y="3044279"/>
+            <a:ext cx="5497830" cy="769441"/>
+          </a:xfrm>
+          <a:prstGeom prst="rect">
+            <a:avLst/>
+          </a:prstGeom>
+          <a:noFill/>
+        </p:spPr>
+        <p:txBody>
+          <a:bodyPr wrap="square" rtlCol="0">
+            <a:spAutoFit/>
+          </a:bodyPr>
+          <a:lstStyle/>
+          <a:p>
+            <a:pPr algn="ctr"/>
+            <a:r>
+              <a:rPr lang="en-US" sz="4400" dirty="0"/>
+              <a:t>Service Configuration</a:t>
+            </a:r>
+          </a:p>
+        </p:txBody>
+      </p:sp>
+      <p:pic>
+        <p:nvPicPr>
+          <p:cNvPr id="3" name="Picture 4" descr="Agenda - letters written in beautiful boxes on white background Stock  Illustration | Adobe Stock">
+            <a:extLst>
+              <a:ext uri="{FF2B5EF4-FFF2-40B4-BE49-F238E27FC236}">
+                <a16:creationId xmlns:a16="http://schemas.microsoft.com/office/drawing/2014/main" id="{190B1203-4944-01C6-82D8-91AB309469C8}"/>
+              </a:ext>
+            </a:extLst>
+          </p:cNvPr>
+          <p:cNvPicPr>
+            <a:picLocks noChangeAspect="1" noChangeArrowheads="1"/>
+          </p:cNvPicPr>
+          <p:nvPr/>
+        </p:nvPicPr>
+        <p:blipFill>
+          <a:blip r:embed="rId2">
+            <a:extLst>
+              <a:ext uri="{BEBA8EAE-BF5A-486C-A8C5-ECC9F3942E4B}">
+                <a14:imgProps xmlns:a14="http://schemas.microsoft.com/office/drawing/2010/main">
+                  <a14:imgLayer r:embed="rId3">
+                    <a14:imgEffect>
+                      <a14:saturation sat="33000"/>
+                    </a14:imgEffect>
+                  </a14:imgLayer>
+                </a14:imgProps>
+              </a:ext>
+              <a:ext uri="{28A0092B-C50C-407E-A947-70E740481C1C}">
+                <a14:useLocalDpi xmlns:a14="http://schemas.microsoft.com/office/drawing/2010/main" val="0"/>
+              </a:ext>
+            </a:extLst>
+          </a:blip>
+          <a:srcRect/>
+          <a:stretch>
+            <a:fillRect/>
+          </a:stretch>
+        </p:blipFill>
+        <p:spPr bwMode="auto">
+          <a:xfrm>
+            <a:off x="580180" y="259964"/>
+            <a:ext cx="2182902" cy="899136"/>
+          </a:xfrm>
+          <a:prstGeom prst="rect">
+            <a:avLst/>
+          </a:prstGeom>
+          <a:noFill/>
+          <a:extLst>
+            <a:ext uri="{909E8E84-426E-40DD-AFC4-6F175D3DCCD1}">
+              <a14:hiddenFill xmlns:a14="http://schemas.microsoft.com/office/drawing/2010/main">
+                <a:solidFill>
+                  <a:srgbClr val="FFFFFF"/>
+                </a:solidFill>
+              </a14:hiddenFill>
+            </a:ext>
+          </a:extLst>
+        </p:spPr>
+      </p:pic>
+    </p:spTree>
+    <p:extLst>
+      <p:ext uri="{BB962C8B-B14F-4D97-AF65-F5344CB8AC3E}">
+        <p14:creationId xmlns:p14="http://schemas.microsoft.com/office/powerpoint/2010/main" val="517340440"/>
+      </p:ext>
+    </p:extLst>
+  </p:cSld>
+  <p:clrMapOvr>
+    <a:masterClrMapping/>
+  </p:clrMapOvr>
+</p:sld>
+</file>
+
+<file path=ppt/slides/slide21.xml><?xml version="1.0" encoding="utf-8"?>
+<p:sld xmlns:a="http://schemas.openxmlformats.org/drawingml/2006/main" xmlns:r="http://schemas.openxmlformats.org/officeDocument/2006/relationships" xmlns:p="http://schemas.openxmlformats.org/presentationml/2006/main">
+  <p:cSld>
+    <p:spTree>
+      <p:nvGrpSpPr>
+        <p:cNvPr id="1" name=""/>
+        <p:cNvGrpSpPr/>
+        <p:nvPr/>
+      </p:nvGrpSpPr>
+      <p:grpSpPr>
+        <a:xfrm>
+          <a:off x="0" y="0"/>
+          <a:ext cx="0" cy="0"/>
+          <a:chOff x="0" y="0"/>
+          <a:chExt cx="0" cy="0"/>
+        </a:xfrm>
+      </p:grpSpPr>
+      <p:sp>
+        <p:nvSpPr>
           <p:cNvPr id="4" name="TextBox 3">
             <a:extLst>
               <a:ext uri="{FF2B5EF4-FFF2-40B4-BE49-F238E27FC236}">
@@ -16831,7 +16892,7 @@
 </p:sld>
 </file>
 
-<file path=ppt/slides/slide21.xml><?xml version="1.0" encoding="utf-8"?>
+<file path=ppt/slides/slide22.xml><?xml version="1.0" encoding="utf-8"?>
 <p:sld xmlns:a="http://schemas.openxmlformats.org/drawingml/2006/main" xmlns:r="http://schemas.openxmlformats.org/officeDocument/2006/relationships" xmlns:p="http://schemas.openxmlformats.org/presentationml/2006/main">
   <p:cSld>
     <p:spTree>
@@ -17507,7 +17568,7 @@
 </p:sld>
 </file>
 
-<file path=ppt/slides/slide22.xml><?xml version="1.0" encoding="utf-8"?>
+<file path=ppt/slides/slide23.xml><?xml version="1.0" encoding="utf-8"?>
 <p:sld xmlns:a="http://schemas.openxmlformats.org/drawingml/2006/main" xmlns:r="http://schemas.openxmlformats.org/officeDocument/2006/relationships" xmlns:p="http://schemas.openxmlformats.org/presentationml/2006/main">
   <p:cSld>
     <p:spTree>
@@ -17620,7 +17681,7 @@
 </p:sld>
 </file>
 
-<file path=ppt/slides/slide23.xml><?xml version="1.0" encoding="utf-8"?>
+<file path=ppt/slides/slide24.xml><?xml version="1.0" encoding="utf-8"?>
 <p:sld xmlns:a="http://schemas.openxmlformats.org/drawingml/2006/main" xmlns:r="http://schemas.openxmlformats.org/officeDocument/2006/relationships" xmlns:p="http://schemas.openxmlformats.org/presentationml/2006/main">
   <p:cSld>
     <p:spTree>
@@ -18079,7 +18140,7 @@
 </p:sld>
 </file>
 
-<file path=ppt/slides/slide24.xml><?xml version="1.0" encoding="utf-8"?>
+<file path=ppt/slides/slide25.xml><?xml version="1.0" encoding="utf-8"?>
 <p:sld xmlns:a="http://schemas.openxmlformats.org/drawingml/2006/main" xmlns:r="http://schemas.openxmlformats.org/officeDocument/2006/relationships" xmlns:p="http://schemas.openxmlformats.org/presentationml/2006/main">
   <p:cSld>
     <p:spTree>
@@ -18307,7 +18368,7 @@
 </p:sld>
 </file>
 
-<file path=ppt/slides/slide25.xml><?xml version="1.0" encoding="utf-8"?>
+<file path=ppt/slides/slide26.xml><?xml version="1.0" encoding="utf-8"?>
 <p:sld xmlns:a="http://schemas.openxmlformats.org/drawingml/2006/main" xmlns:r="http://schemas.openxmlformats.org/officeDocument/2006/relationships" xmlns:p="http://schemas.openxmlformats.org/presentationml/2006/main">
   <p:cSld>
     <p:spTree>
@@ -18679,7 +18740,7 @@
 </p:sld>
 </file>
 
-<file path=ppt/slides/slide26.xml><?xml version="1.0" encoding="utf-8"?>
+<file path=ppt/slides/slide27.xml><?xml version="1.0" encoding="utf-8"?>
 <p:sld xmlns:a="http://schemas.openxmlformats.org/drawingml/2006/main" xmlns:r="http://schemas.openxmlformats.org/officeDocument/2006/relationships" xmlns:p="http://schemas.openxmlformats.org/presentationml/2006/main">
   <p:cSld>
     <p:spTree>
@@ -19508,7 +19569,7 @@
 </p:sld>
 </file>
 
-<file path=ppt/slides/slide27.xml><?xml version="1.0" encoding="utf-8"?>
+<file path=ppt/slides/slide28.xml><?xml version="1.0" encoding="utf-8"?>
 <p:sld xmlns:a="http://schemas.openxmlformats.org/drawingml/2006/main" xmlns:r="http://schemas.openxmlformats.org/officeDocument/2006/relationships" xmlns:p="http://schemas.openxmlformats.org/presentationml/2006/main">
   <p:cSld>
     <p:spTree>
@@ -19568,7 +19629,7 @@
 </p:sld>
 </file>
 
-<file path=ppt/slides/slide28.xml><?xml version="1.0" encoding="utf-8"?>
+<file path=ppt/slides/slide29.xml><?xml version="1.0" encoding="utf-8"?>
 <p:sld xmlns:a="http://schemas.openxmlformats.org/drawingml/2006/main" xmlns:r="http://schemas.openxmlformats.org/officeDocument/2006/relationships" xmlns:p="http://schemas.openxmlformats.org/presentationml/2006/main">
   <p:cSld>
     <p:spTree>
@@ -19690,7 +19751,152 @@
 </p:sld>
 </file>
 
-<file path=ppt/slides/slide29.xml><?xml version="1.0" encoding="utf-8"?>
+<file path=ppt/slides/slide3.xml><?xml version="1.0" encoding="utf-8"?>
+<p:sld xmlns:a="http://schemas.openxmlformats.org/drawingml/2006/main" xmlns:r="http://schemas.openxmlformats.org/officeDocument/2006/relationships" xmlns:p="http://schemas.openxmlformats.org/presentationml/2006/main">
+  <p:cSld>
+    <p:spTree>
+      <p:nvGrpSpPr>
+        <p:cNvPr id="1" name=""/>
+        <p:cNvGrpSpPr/>
+        <p:nvPr/>
+      </p:nvGrpSpPr>
+      <p:grpSpPr>
+        <a:xfrm>
+          <a:off x="0" y="0"/>
+          <a:ext cx="0" cy="0"/>
+          <a:chOff x="0" y="0"/>
+          <a:chExt cx="0" cy="0"/>
+        </a:xfrm>
+      </p:grpSpPr>
+      <p:sp>
+        <p:nvSpPr>
+          <p:cNvPr id="3" name="Content Placeholder 2">
+            <a:extLst>
+              <a:ext uri="{FF2B5EF4-FFF2-40B4-BE49-F238E27FC236}">
+                <a16:creationId xmlns:a16="http://schemas.microsoft.com/office/drawing/2014/main" id="{1BF2A43D-DF10-14A8-A20C-5FB897A3D7EC}"/>
+              </a:ext>
+            </a:extLst>
+          </p:cNvPr>
+          <p:cNvSpPr>
+            <a:spLocks noGrp="1"/>
+          </p:cNvSpPr>
+          <p:nvPr>
+            <p:ph idx="1"/>
+          </p:nvPr>
+        </p:nvSpPr>
+        <p:spPr>
+          <a:xfrm>
+            <a:off x="3614940" y="2601156"/>
+            <a:ext cx="6512040" cy="3254375"/>
+          </a:xfrm>
+        </p:spPr>
+        <p:txBody>
+          <a:bodyPr>
+            <a:normAutofit/>
+          </a:bodyPr>
+          <a:lstStyle/>
+          <a:p>
+            <a:r>
+              <a:rPr lang="en-US" sz="3600" dirty="0"/>
+              <a:t>Service Types</a:t>
+            </a:r>
+          </a:p>
+          <a:p>
+            <a:r>
+              <a:rPr lang="en-US" sz="3600" dirty="0"/>
+              <a:t>Plugins &amp; Providers</a:t>
+            </a:r>
+          </a:p>
+          <a:p>
+            <a:r>
+              <a:rPr lang="en-US" sz="3600" dirty="0"/>
+              <a:t>Service Configuration</a:t>
+            </a:r>
+          </a:p>
+          <a:p>
+            <a:r>
+              <a:rPr lang="en-US" sz="3600" dirty="0"/>
+              <a:t>Securing the Application</a:t>
+            </a:r>
+          </a:p>
+          <a:p>
+            <a:r>
+              <a:rPr lang="en-US" sz="3600" dirty="0"/>
+              <a:t>Demo…</a:t>
+            </a:r>
+          </a:p>
+        </p:txBody>
+      </p:sp>
+      <p:pic>
+        <p:nvPicPr>
+          <p:cNvPr id="4100" name="Picture 4" descr="Agenda - letters written in beautiful boxes on white background Stock  Illustration | Adobe Stock">
+            <a:extLst>
+              <a:ext uri="{FF2B5EF4-FFF2-40B4-BE49-F238E27FC236}">
+                <a16:creationId xmlns:a16="http://schemas.microsoft.com/office/drawing/2014/main" id="{2A21C2AB-5AB7-7BD8-FDED-86C41E95CC81}"/>
+              </a:ext>
+            </a:extLst>
+          </p:cNvPr>
+          <p:cNvPicPr>
+            <a:picLocks noChangeAspect="1" noChangeArrowheads="1"/>
+          </p:cNvPicPr>
+          <p:nvPr/>
+        </p:nvPicPr>
+        <p:blipFill>
+          <a:blip r:embed="rId3">
+            <a:extLst>
+              <a:ext uri="{BEBA8EAE-BF5A-486C-A8C5-ECC9F3942E4B}">
+                <a14:imgProps xmlns:a14="http://schemas.microsoft.com/office/drawing/2010/main">
+                  <a14:imgLayer r:embed="rId4">
+                    <a14:imgEffect>
+                      <a14:saturation sat="33000"/>
+                    </a14:imgEffect>
+                  </a14:imgLayer>
+                </a14:imgProps>
+              </a:ext>
+              <a:ext uri="{28A0092B-C50C-407E-A947-70E740481C1C}">
+                <a14:useLocalDpi xmlns:a14="http://schemas.microsoft.com/office/drawing/2010/main" val="0"/>
+              </a:ext>
+            </a:extLst>
+          </a:blip>
+          <a:srcRect/>
+          <a:stretch>
+            <a:fillRect/>
+          </a:stretch>
+        </p:blipFill>
+        <p:spPr bwMode="auto">
+          <a:xfrm>
+            <a:off x="3130197" y="440267"/>
+            <a:ext cx="5246158" cy="2160889"/>
+          </a:xfrm>
+          <a:prstGeom prst="rect">
+            <a:avLst/>
+          </a:prstGeom>
+          <a:noFill/>
+          <a:extLst>
+            <a:ext uri="{909E8E84-426E-40DD-AFC4-6F175D3DCCD1}">
+              <a14:hiddenFill xmlns:a14="http://schemas.microsoft.com/office/drawing/2010/main">
+                <a:solidFill>
+                  <a:srgbClr val="FFFFFF"/>
+                </a:solidFill>
+              </a14:hiddenFill>
+            </a:ext>
+          </a:extLst>
+        </p:spPr>
+      </p:pic>
+    </p:spTree>
+    <p:extLst>
+      <p:ext uri="{BB962C8B-B14F-4D97-AF65-F5344CB8AC3E}">
+        <p14:creationId xmlns:p14="http://schemas.microsoft.com/office/powerpoint/2010/main" val="1456164604"/>
+      </p:ext>
+    </p:extLst>
+  </p:cSld>
+  <p:clrMapOvr>
+    <a:masterClrMapping/>
+  </p:clrMapOvr>
+</p:sld>
+</file>
+
+<file path=ppt/slides/slide30.xml><?xml version="1.0" encoding="utf-8"?>
 <p:sld xmlns:a="http://schemas.openxmlformats.org/drawingml/2006/main" xmlns:r="http://schemas.openxmlformats.org/officeDocument/2006/relationships" xmlns:p="http://schemas.openxmlformats.org/presentationml/2006/main">
   <p:cSld>
     <p:spTree>
@@ -20123,152 +20329,7 @@
 </p:sld>
 </file>
 
-<file path=ppt/slides/slide3.xml><?xml version="1.0" encoding="utf-8"?>
-<p:sld xmlns:a="http://schemas.openxmlformats.org/drawingml/2006/main" xmlns:r="http://schemas.openxmlformats.org/officeDocument/2006/relationships" xmlns:p="http://schemas.openxmlformats.org/presentationml/2006/main">
-  <p:cSld>
-    <p:spTree>
-      <p:nvGrpSpPr>
-        <p:cNvPr id="1" name=""/>
-        <p:cNvGrpSpPr/>
-        <p:nvPr/>
-      </p:nvGrpSpPr>
-      <p:grpSpPr>
-        <a:xfrm>
-          <a:off x="0" y="0"/>
-          <a:ext cx="0" cy="0"/>
-          <a:chOff x="0" y="0"/>
-          <a:chExt cx="0" cy="0"/>
-        </a:xfrm>
-      </p:grpSpPr>
-      <p:sp>
-        <p:nvSpPr>
-          <p:cNvPr id="3" name="Content Placeholder 2">
-            <a:extLst>
-              <a:ext uri="{FF2B5EF4-FFF2-40B4-BE49-F238E27FC236}">
-                <a16:creationId xmlns:a16="http://schemas.microsoft.com/office/drawing/2014/main" id="{1BF2A43D-DF10-14A8-A20C-5FB897A3D7EC}"/>
-              </a:ext>
-            </a:extLst>
-          </p:cNvPr>
-          <p:cNvSpPr>
-            <a:spLocks noGrp="1"/>
-          </p:cNvSpPr>
-          <p:nvPr>
-            <p:ph idx="1"/>
-          </p:nvPr>
-        </p:nvSpPr>
-        <p:spPr>
-          <a:xfrm>
-            <a:off x="3614940" y="2601156"/>
-            <a:ext cx="6512040" cy="3254375"/>
-          </a:xfrm>
-        </p:spPr>
-        <p:txBody>
-          <a:bodyPr>
-            <a:normAutofit/>
-          </a:bodyPr>
-          <a:lstStyle/>
-          <a:p>
-            <a:r>
-              <a:rPr lang="en-US" sz="3600" dirty="0"/>
-              <a:t>Service Types</a:t>
-            </a:r>
-          </a:p>
-          <a:p>
-            <a:r>
-              <a:rPr lang="en-US" sz="3600" dirty="0"/>
-              <a:t>Plugins &amp; Providers</a:t>
-            </a:r>
-          </a:p>
-          <a:p>
-            <a:r>
-              <a:rPr lang="en-US" sz="3600" dirty="0"/>
-              <a:t>Service Configuration</a:t>
-            </a:r>
-          </a:p>
-          <a:p>
-            <a:r>
-              <a:rPr lang="en-US" sz="3600" dirty="0"/>
-              <a:t>Securing the Application</a:t>
-            </a:r>
-          </a:p>
-          <a:p>
-            <a:r>
-              <a:rPr lang="en-US" sz="3600" dirty="0"/>
-              <a:t>Demo…</a:t>
-            </a:r>
-          </a:p>
-        </p:txBody>
-      </p:sp>
-      <p:pic>
-        <p:nvPicPr>
-          <p:cNvPr id="4100" name="Picture 4" descr="Agenda - letters written in beautiful boxes on white background Stock  Illustration | Adobe Stock">
-            <a:extLst>
-              <a:ext uri="{FF2B5EF4-FFF2-40B4-BE49-F238E27FC236}">
-                <a16:creationId xmlns:a16="http://schemas.microsoft.com/office/drawing/2014/main" id="{2A21C2AB-5AB7-7BD8-FDED-86C41E95CC81}"/>
-              </a:ext>
-            </a:extLst>
-          </p:cNvPr>
-          <p:cNvPicPr>
-            <a:picLocks noChangeAspect="1" noChangeArrowheads="1"/>
-          </p:cNvPicPr>
-          <p:nvPr/>
-        </p:nvPicPr>
-        <p:blipFill>
-          <a:blip r:embed="rId3">
-            <a:extLst>
-              <a:ext uri="{BEBA8EAE-BF5A-486C-A8C5-ECC9F3942E4B}">
-                <a14:imgProps xmlns:a14="http://schemas.microsoft.com/office/drawing/2010/main">
-                  <a14:imgLayer r:embed="rId4">
-                    <a14:imgEffect>
-                      <a14:saturation sat="33000"/>
-                    </a14:imgEffect>
-                  </a14:imgLayer>
-                </a14:imgProps>
-              </a:ext>
-              <a:ext uri="{28A0092B-C50C-407E-A947-70E740481C1C}">
-                <a14:useLocalDpi xmlns:a14="http://schemas.microsoft.com/office/drawing/2010/main" val="0"/>
-              </a:ext>
-            </a:extLst>
-          </a:blip>
-          <a:srcRect/>
-          <a:stretch>
-            <a:fillRect/>
-          </a:stretch>
-        </p:blipFill>
-        <p:spPr bwMode="auto">
-          <a:xfrm>
-            <a:off x="3130197" y="440267"/>
-            <a:ext cx="5246158" cy="2160889"/>
-          </a:xfrm>
-          <a:prstGeom prst="rect">
-            <a:avLst/>
-          </a:prstGeom>
-          <a:noFill/>
-          <a:extLst>
-            <a:ext uri="{909E8E84-426E-40DD-AFC4-6F175D3DCCD1}">
-              <a14:hiddenFill xmlns:a14="http://schemas.microsoft.com/office/drawing/2010/main">
-                <a:solidFill>
-                  <a:srgbClr val="FFFFFF"/>
-                </a:solidFill>
-              </a14:hiddenFill>
-            </a:ext>
-          </a:extLst>
-        </p:spPr>
-      </p:pic>
-    </p:spTree>
-    <p:extLst>
-      <p:ext uri="{BB962C8B-B14F-4D97-AF65-F5344CB8AC3E}">
-        <p14:creationId xmlns:p14="http://schemas.microsoft.com/office/powerpoint/2010/main" val="1456164604"/>
-      </p:ext>
-    </p:extLst>
-  </p:cSld>
-  <p:clrMapOvr>
-    <a:masterClrMapping/>
-  </p:clrMapOvr>
-</p:sld>
-</file>
-
-<file path=ppt/slides/slide30.xml><?xml version="1.0" encoding="utf-8"?>
+<file path=ppt/slides/slide31.xml><?xml version="1.0" encoding="utf-8"?>
 <p:sld xmlns:a="http://schemas.openxmlformats.org/drawingml/2006/main" xmlns:r="http://schemas.openxmlformats.org/officeDocument/2006/relationships" xmlns:p="http://schemas.openxmlformats.org/presentationml/2006/main">
   <p:cSld>
     <p:spTree>
@@ -21925,7 +21986,7 @@
 </p:sld>
 </file>
 
-<file path=ppt/slides/slide31.xml><?xml version="1.0" encoding="utf-8"?>
+<file path=ppt/slides/slide32.xml><?xml version="1.0" encoding="utf-8"?>
 <p:sld xmlns:a="http://schemas.openxmlformats.org/drawingml/2006/main" xmlns:r="http://schemas.openxmlformats.org/officeDocument/2006/relationships" xmlns:p="http://schemas.openxmlformats.org/presentationml/2006/main">
   <p:cSld>
     <p:spTree>
@@ -22070,7 +22131,7 @@
 </p:sld>
 </file>
 
-<file path=ppt/slides/slide32.xml><?xml version="1.0" encoding="utf-8"?>
+<file path=ppt/slides/slide33.xml><?xml version="1.0" encoding="utf-8"?>
 <p:sld xmlns:a="http://schemas.openxmlformats.org/drawingml/2006/main" xmlns:r="http://schemas.openxmlformats.org/officeDocument/2006/relationships" xmlns:p="http://schemas.openxmlformats.org/presentationml/2006/main">
   <p:cSld>
     <p:spTree>
@@ -22193,7 +22254,7 @@
 </p:sld>
 </file>
 
-<file path=ppt/slides/slide33.xml><?xml version="1.0" encoding="utf-8"?>
+<file path=ppt/slides/slide34.xml><?xml version="1.0" encoding="utf-8"?>
 <p:sld xmlns:a="http://schemas.openxmlformats.org/drawingml/2006/main" xmlns:r="http://schemas.openxmlformats.org/officeDocument/2006/relationships" xmlns:p="http://schemas.openxmlformats.org/presentationml/2006/main">
   <p:cSld>
     <p:spTree>
@@ -22259,7 +22320,7 @@
 </p:sld>
 </file>
 
-<file path=ppt/slides/slide34.xml><?xml version="1.0" encoding="utf-8"?>
+<file path=ppt/slides/slide35.xml><?xml version="1.0" encoding="utf-8"?>
 <p:sld xmlns:a="http://schemas.openxmlformats.org/drawingml/2006/main" xmlns:r="http://schemas.openxmlformats.org/officeDocument/2006/relationships" xmlns:p="http://schemas.openxmlformats.org/presentationml/2006/main" show="0">
   <p:cSld>
     <p:spTree>
